--- a/Zen Do SQL.pptx
+++ b/Zen Do SQL.pptx
@@ -1915,7 +1915,7 @@
   <p:cSld>
     <p:spTree>
       <p:nvGrpSpPr>
-        <p:cNvPr id="193" name="Shape 193"/>
+        <p:cNvPr id="194" name="Shape 194"/>
         <p:cNvGrpSpPr/>
         <p:nvPr/>
       </p:nvGrpSpPr>
@@ -1929,7 +1929,7 @@
       </p:grpSpPr>
       <p:sp>
         <p:nvSpPr>
-          <p:cNvPr id="194" name="Shape 194"/>
+          <p:cNvPr id="195" name="Shape 195"/>
           <p:cNvSpPr/>
           <p:nvPr>
             <p:ph idx="2" type="sldImg"/>
@@ -1963,7 +1963,7 @@
       </p:sp>
       <p:sp>
         <p:nvSpPr>
-          <p:cNvPr id="195" name="Shape 195"/>
+          <p:cNvPr id="196" name="Shape 196"/>
           <p:cNvSpPr txBox="1"/>
           <p:nvPr>
             <p:ph idx="1" type="body"/>
@@ -2010,7 +2010,7 @@
   <p:cSld>
     <p:spTree>
       <p:nvGrpSpPr>
-        <p:cNvPr id="199" name="Shape 199"/>
+        <p:cNvPr id="200" name="Shape 200"/>
         <p:cNvGrpSpPr/>
         <p:nvPr/>
       </p:nvGrpSpPr>
@@ -2024,7 +2024,7 @@
       </p:grpSpPr>
       <p:sp>
         <p:nvSpPr>
-          <p:cNvPr id="200" name="Shape 200"/>
+          <p:cNvPr id="201" name="Shape 201"/>
           <p:cNvSpPr/>
           <p:nvPr>
             <p:ph idx="2" type="sldImg"/>
@@ -2058,7 +2058,7 @@
       </p:sp>
       <p:sp>
         <p:nvSpPr>
-          <p:cNvPr id="201" name="Shape 201"/>
+          <p:cNvPr id="202" name="Shape 202"/>
           <p:cNvSpPr txBox="1"/>
           <p:nvPr>
             <p:ph idx="1" type="body"/>
@@ -6119,7 +6119,7 @@
         </p:nvSpPr>
         <p:spPr>
           <a:xfrm>
-            <a:off x="311700" y="155275"/>
+            <a:off x="311700" y="729550"/>
             <a:ext cx="8520600" cy="666600"/>
           </a:xfrm>
           <a:prstGeom prst="rect">
@@ -6153,8 +6153,8 @@
         </p:nvSpPr>
         <p:spPr>
           <a:xfrm>
-            <a:off x="346000" y="740650"/>
-            <a:ext cx="8520600" cy="3975300"/>
+            <a:off x="311700" y="1448175"/>
+            <a:ext cx="8520600" cy="3118200"/>
           </a:xfrm>
           <a:prstGeom prst="rect">
             <a:avLst/>
@@ -6512,7 +6512,7 @@
               <a:buNone/>
             </a:pPr>
             <a:r>
-              <a:rPr lang="en" sz="3600">
+              <a:rPr i="1" lang="en" sz="3600">
                 <a:solidFill>
                   <a:srgbClr val="252525"/>
                 </a:solidFill>
@@ -6537,7 +6537,7 @@
               <a:buNone/>
             </a:pPr>
             <a:r>
-              <a:rPr b="1" lang="en" sz="3600">
+              <a:rPr b="1" i="1" lang="en" sz="3600">
                 <a:solidFill>
                   <a:srgbClr val="252525"/>
                 </a:solidFill>
@@ -6737,7 +6737,7 @@
                   <a:srgbClr val="FFFFFF"/>
                 </a:highlight>
               </a:rPr>
-              <a:t>: Elas contém as propriedades dos fatos, e são relacionadas as tabelas Fato, como: Status_Pagamento, Convenios, Células, Tipos_Resultados.</a:t>
+              <a:t>: Elas contém as propriedades dos fatos, e são relacionadas a elas, como: Status_Pagamento, Convenios, Células, Tipos_Resultados. São as caracteristicas do fat.</a:t>
             </a:r>
           </a:p>
         </p:txBody>
@@ -7177,7 +7177,18 @@
                   <a:srgbClr val="FFFFFF"/>
                 </a:highlight>
               </a:rPr>
-              <a:t>Nesse caso, eu sugiro ter dados duplicados entre as tabelas para facilitar a consulta</a:t>
+              <a:t>Nesse caso, eu sugiro ter dados duplicados entre as tabelas para facilitar a consulta </a:t>
+            </a:r>
+            <a:r>
+              <a:rPr b="1" lang="en" sz="1800">
+                <a:solidFill>
+                  <a:srgbClr val="252525"/>
+                </a:solidFill>
+                <a:highlight>
+                  <a:srgbClr val="FFFFFF"/>
+                </a:highlight>
+              </a:rPr>
+              <a:t>(Se performance nessa tabela for critica).</a:t>
             </a:r>
           </a:p>
           <a:p>
@@ -7681,9 +7692,6 @@
               <a:spcBef>
                 <a:spcPts val="0"/>
               </a:spcBef>
-              <a:spcAft>
-                <a:spcPts val="2300"/>
-              </a:spcAft>
               <a:buNone/>
             </a:pPr>
             <a:r>
@@ -7693,6 +7701,9 @@
               <a:solidFill>
                 <a:srgbClr val="333333"/>
               </a:solidFill>
+              <a:highlight>
+                <a:srgbClr val="FFFFFF"/>
+              </a:highlight>
             </a:endParaRPr>
           </a:p>
           <a:p>
@@ -8372,6 +8383,48 @@
           </a:ln>
         </p:spPr>
       </p:pic>
+      <p:sp>
+        <p:nvSpPr>
+          <p:cNvPr id="193" name="Shape 193"/>
+          <p:cNvSpPr txBox="1"/>
+          <p:nvPr/>
+        </p:nvSpPr>
+        <p:spPr>
+          <a:xfrm>
+            <a:off x="128200" y="4051225"/>
+            <a:ext cx="8887500" cy="468000"/>
+          </a:xfrm>
+          <a:prstGeom prst="rect">
+            <a:avLst/>
+          </a:prstGeom>
+          <a:noFill/>
+          <a:ln>
+            <a:noFill/>
+          </a:ln>
+        </p:spPr>
+        <p:txBody>
+          <a:bodyPr anchorCtr="0" anchor="ctr" bIns="91425" lIns="91425" rIns="91425" tIns="91425">
+            <a:noAutofit/>
+          </a:bodyPr>
+          <a:lstStyle/>
+          <a:p>
+            <a:pPr lvl="0" rtl="0" algn="ctr">
+              <a:spcBef>
+                <a:spcPts val="0"/>
+              </a:spcBef>
+              <a:buNone/>
+            </a:pPr>
+            <a:r>
+              <a:rPr lang="en" sz="1800">
+                <a:solidFill>
+                  <a:schemeClr val="dk1"/>
+                </a:solidFill>
+              </a:rPr>
+              <a:t>Antes havia sido 25 minutos</a:t>
+            </a:r>
+          </a:p>
+        </p:txBody>
+      </p:sp>
     </p:spTree>
   </p:cSld>
   <p:clrMapOvr>
@@ -8385,7 +8438,7 @@
   <p:cSld>
     <p:spTree>
       <p:nvGrpSpPr>
-        <p:cNvPr id="196" name="Shape 196"/>
+        <p:cNvPr id="197" name="Shape 197"/>
         <p:cNvGrpSpPr/>
         <p:nvPr/>
       </p:nvGrpSpPr>
@@ -8399,7 +8452,7 @@
       </p:grpSpPr>
       <p:sp>
         <p:nvSpPr>
-          <p:cNvPr id="197" name="Shape 197"/>
+          <p:cNvPr id="198" name="Shape 198"/>
           <p:cNvSpPr txBox="1"/>
           <p:nvPr>
             <p:ph type="ctrTitle"/>
@@ -8428,21 +8481,21 @@
             </a:pPr>
             <a:r>
               <a:rPr lang="en" sz="3000"/>
-              <a:t>Proximas melhorias:</a:t>
+              <a:t>Próximas melhorias:</a:t>
             </a:r>
           </a:p>
         </p:txBody>
       </p:sp>
       <p:sp>
         <p:nvSpPr>
-          <p:cNvPr id="198" name="Shape 198"/>
+          <p:cNvPr id="199" name="Shape 199"/>
           <p:cNvSpPr txBox="1"/>
           <p:nvPr/>
         </p:nvSpPr>
         <p:spPr>
           <a:xfrm>
-            <a:off x="468600" y="1491025"/>
-            <a:ext cx="8206800" cy="1553100"/>
+            <a:off x="468600" y="1029125"/>
+            <a:ext cx="8206800" cy="2841000"/>
           </a:xfrm>
           <a:prstGeom prst="rect">
             <a:avLst/>
@@ -8458,7 +8511,7 @@
           </a:bodyPr>
           <a:lstStyle/>
           <a:p>
-            <a:pPr indent="-342900" lvl="0" marL="457200">
+            <a:pPr indent="-381000" lvl="0" marL="457200" rtl="0">
               <a:spcBef>
                 <a:spcPts val="0"/>
               </a:spcBef>
@@ -8466,8 +8519,54 @@
               <a:buChar char="●"/>
             </a:pPr>
             <a:r>
-              <a:rPr lang="en" sz="1800"/>
-              <a:t>Salvar os dados em vez de views, criando tabelas temporarias para ter os dados, essas tabelas temporarias podem ter indices, oque aumenta também a performance.</a:t>
+              <a:rPr lang="en" sz="2400"/>
+              <a:t>Salvar os dados em vez de usar views, criando tabelas </a:t>
+            </a:r>
+            <a:r>
+              <a:rPr lang="en" sz="2400"/>
+              <a:t>temporárias</a:t>
+            </a:r>
+            <a:r>
+              <a:rPr lang="en" sz="2400"/>
+              <a:t> para ter os dados, essas tabelas </a:t>
+            </a:r>
+            <a:r>
+              <a:rPr lang="en" sz="2400"/>
+              <a:t>temporárias</a:t>
+            </a:r>
+            <a:r>
+              <a:rPr lang="en" sz="2400"/>
+              <a:t> podem ter </a:t>
+            </a:r>
+            <a:r>
+              <a:rPr lang="en" sz="2400"/>
+              <a:t>índices</a:t>
+            </a:r>
+            <a:r>
+              <a:rPr lang="en" sz="2400"/>
+              <a:t>, oque aumenta também a performance.</a:t>
+            </a:r>
+          </a:p>
+          <a:p>
+            <a:pPr indent="-381000" lvl="0" marL="457200">
+              <a:spcBef>
+                <a:spcPts val="0"/>
+              </a:spcBef>
+              <a:buSzPct val="100000"/>
+              <a:buChar char="●"/>
+            </a:pPr>
+            <a:r>
+              <a:rPr lang="en" sz="2400"/>
+              <a:t>Usar identadores online de SQL, oque ajuda a formatar de forma fácil o arquivo texto do comando SQL, um exemplo é o </a:t>
+            </a:r>
+            <a:r>
+              <a:rPr lang="en" sz="2400" u="sng">
+                <a:solidFill>
+                  <a:schemeClr val="hlink"/>
+                </a:solidFill>
+                <a:hlinkClick r:id="rId3"/>
+              </a:rPr>
+              <a:t>https://sqlformat.org/</a:t>
             </a:r>
           </a:p>
         </p:txBody>
@@ -8485,7 +8584,7 @@
   <p:cSld>
     <p:spTree>
       <p:nvGrpSpPr>
-        <p:cNvPr id="202" name="Shape 202"/>
+        <p:cNvPr id="203" name="Shape 203"/>
         <p:cNvGrpSpPr/>
         <p:nvPr/>
       </p:nvGrpSpPr>
@@ -8499,7 +8598,7 @@
       </p:grpSpPr>
       <p:sp>
         <p:nvSpPr>
-          <p:cNvPr id="203" name="Shape 203"/>
+          <p:cNvPr id="204" name="Shape 204"/>
           <p:cNvSpPr txBox="1"/>
           <p:nvPr>
             <p:ph type="ctrTitle"/>
@@ -8535,7 +8634,7 @@
       </p:sp>
       <p:sp>
         <p:nvSpPr>
-          <p:cNvPr id="204" name="Shape 204"/>
+          <p:cNvPr id="205" name="Shape 205"/>
           <p:cNvSpPr txBox="1"/>
           <p:nvPr/>
         </p:nvSpPr>
@@ -8583,7 +8682,7 @@
                   <a:srgbClr val="FFFFFF"/>
                 </a:highlight>
               </a:rPr>
-              <a:t>O Objetivo desse curso é mostrar que na realidade o grande ofensor a performance do SQL é o tamanho do produto cartesiano, ou seja, o excesso de tabelas na clausula FROM de uma Consulta</a:t>
+              <a:t>O Objetivo desse curso é mostrar que na realidade o grande ofensor a performance do SQL é o tamanho do produto cartesiano, ou seja, o excesso de tabelas na cláusula FROM de uma Consulta</a:t>
             </a:r>
           </a:p>
           <a:p>
@@ -8612,7 +8711,7 @@
                   <a:srgbClr val="FFFFFF"/>
                 </a:highlight>
               </a:rPr>
-              <a:t>É muito mais fácil, eficiente e rápido fazer pequenas consultas emcima das tabelas fato principais e depois consolidar elas.</a:t>
+              <a:t>É muito mais fácil, eficiente e rápido fazer pequenas consultas em cima das tabelas fato principais e depois consolidar elas.</a:t>
             </a:r>
           </a:p>
           <a:p>
@@ -9003,7 +9102,7 @@
         </p:blipFill>
         <p:spPr>
           <a:xfrm>
-            <a:off x="1382651" y="650275"/>
+            <a:off x="1195376" y="650275"/>
             <a:ext cx="6378700" cy="4028349"/>
           </a:xfrm>
           <a:prstGeom prst="rect">
@@ -9071,7 +9170,7 @@
             </a:pPr>
             <a:r>
               <a:rPr lang="en" sz="3000"/>
-              <a:t>Eu vejo o Nó Gordio</a:t>
+              <a:t>Eu vejo o Nó Górdio</a:t>
             </a:r>
           </a:p>
         </p:txBody>
@@ -9702,7 +9801,7 @@
                   <a:srgbClr val="FFFFFF"/>
                 </a:highlight>
               </a:rPr>
-              <a:t>Eles se relacionam através de produtos cartesianos que são implementados via comandos de Join, isso cria uma tabela “virtual” que contem o produto do total de linhas de todas as tabelas.</a:t>
+              <a:t>Eles se relacionam através de produtos cartesianos que são implementados via comandos de Join, isso cria uma tabela “virtual” que contém o produto do total de linhas de todas as tabelas.</a:t>
             </a:r>
           </a:p>
         </p:txBody>
@@ -9743,7 +9842,7 @@
         <p:spPr>
           <a:xfrm>
             <a:off x="311700" y="155275"/>
-            <a:ext cx="8520600" cy="495000"/>
+            <a:ext cx="8520600" cy="718500"/>
           </a:xfrm>
           <a:prstGeom prst="rect">
             <a:avLst/>
@@ -9762,7 +9861,7 @@
               <a:buNone/>
             </a:pPr>
             <a:r>
-              <a:rPr lang="en" sz="3000"/>
+              <a:rPr lang="en" sz="3600"/>
               <a:t>Ou Seja,</a:t>
             </a:r>
           </a:p>
@@ -9806,7 +9905,7 @@
               <a:buNone/>
             </a:pPr>
             <a:r>
-              <a:rPr lang="en" sz="2000">
+              <a:rPr lang="en" sz="2400">
                 <a:solidFill>
                   <a:srgbClr val="252525"/>
                 </a:solidFill>
@@ -9814,24 +9913,10 @@
                   <a:srgbClr val="FFFFFF"/>
                 </a:highlight>
               </a:rPr>
-              <a:t>Se temos 1 tabela de 10000 registros, outra com 1000000 e outra com 1000000 de registros, o servidor deve loopar no minimo:</a:t>
-            </a:r>
-          </a:p>
-          <a:p>
-            <a:pPr lvl="0" rtl="0" algn="just">
-              <a:lnSpc>
-                <a:spcPct val="115000"/>
-              </a:lnSpc>
-              <a:spcBef>
-                <a:spcPts val="600"/>
-              </a:spcBef>
-              <a:spcAft>
-                <a:spcPts val="600"/>
-              </a:spcAft>
-              <a:buNone/>
-            </a:pPr>
-            <a:r>
-              <a:rPr b="1" lang="en" sz="2000">
+              <a:t>Se temos 1 tabela de 10000 registros, outra com 1000000 e outra com 1000000 de registros, o servidor deve loopar no minimo: </a:t>
+            </a:r>
+            <a:r>
+              <a:rPr b="1" lang="en" sz="2400">
                 <a:solidFill>
                   <a:srgbClr val="252525"/>
                 </a:solidFill>
@@ -9842,7 +9927,7 @@
               <a:t>10000000000000000 (10 quadrilhoes de vezes) </a:t>
             </a:r>
             <a:r>
-              <a:rPr lang="en" sz="2000">
+              <a:rPr lang="en" sz="2400">
                 <a:solidFill>
                   <a:srgbClr val="252525"/>
                 </a:solidFill>
@@ -9869,7 +9954,7 @@
             <a:r>
               <a:t/>
             </a:r>
-            <a:endParaRPr sz="2000">
+            <a:endParaRPr sz="2400">
               <a:solidFill>
                 <a:srgbClr val="252525"/>
               </a:solidFill>
@@ -9892,7 +9977,7 @@
               <a:buNone/>
             </a:pPr>
             <a:r>
-              <a:rPr i="1" lang="en" sz="2000">
+              <a:rPr i="1" lang="en" sz="2400">
                 <a:solidFill>
                   <a:srgbClr val="252525"/>
                 </a:solidFill>
@@ -9900,7 +9985,7 @@
                   <a:srgbClr val="FFFFFF"/>
                 </a:highlight>
               </a:rPr>
-              <a:t>Apesar de utilizarmos clausulas nos nossos joins, de qualquer forma ele tera q loopar varias vezes para produzir o resultado</a:t>
+              <a:t>Apesar de utilizarmos cláusulas nos nossos joins, de qualquer forma ele tera q loopar várias vezes para produzir o resultado</a:t>
             </a:r>
           </a:p>
         </p:txBody>
@@ -9914,6 +9999,285 @@
 </file>
 
 <file path=ppt/theme/theme1.xml><?xml version="1.0" encoding="utf-8"?>
+<a:theme xmlns:a="http://schemas.openxmlformats.org/drawingml/2006/main" xmlns:r="http://schemas.openxmlformats.org/officeDocument/2006/relationships" name="Custom Theme">
+  <a:themeElements>
+    <a:clrScheme name="Default">
+      <a:dk1>
+        <a:srgbClr val="000000"/>
+      </a:dk1>
+      <a:lt1>
+        <a:srgbClr val="FFFFFF"/>
+      </a:lt1>
+      <a:dk2>
+        <a:srgbClr val="158158"/>
+      </a:dk2>
+      <a:lt2>
+        <a:srgbClr val="F3F3F3"/>
+      </a:lt2>
+      <a:accent1>
+        <a:srgbClr val="058DC7"/>
+      </a:accent1>
+      <a:accent2>
+        <a:srgbClr val="50B432"/>
+      </a:accent2>
+      <a:accent3>
+        <a:srgbClr val="ED561B"/>
+      </a:accent3>
+      <a:accent4>
+        <a:srgbClr val="EDEF00"/>
+      </a:accent4>
+      <a:accent5>
+        <a:srgbClr val="24CBE5"/>
+      </a:accent5>
+      <a:accent6>
+        <a:srgbClr val="64E572"/>
+      </a:accent6>
+      <a:hlink>
+        <a:srgbClr val="2200CC"/>
+      </a:hlink>
+      <a:folHlink>
+        <a:srgbClr val="551A8B"/>
+      </a:folHlink>
+    </a:clrScheme>
+    <a:fontScheme name="Office">
+      <a:majorFont>
+        <a:latin typeface="Arial"/>
+        <a:ea typeface=""/>
+        <a:cs typeface=""/>
+        <a:font script="Jpan" typeface="ＭＳ Ｐゴシック"/>
+        <a:font script="Hang" typeface="맑은 고딕"/>
+        <a:font script="Hans" typeface="宋体"/>
+        <a:font script="Hant" typeface="新細明體"/>
+        <a:font script="Arab" typeface="Times New Roman"/>
+        <a:font script="Hebr" typeface="Times New Roman"/>
+        <a:font script="Thai" typeface="Angsana New"/>
+        <a:font script="Ethi" typeface="Nyala"/>
+        <a:font script="Beng" typeface="Vrinda"/>
+        <a:font script="Gujr" typeface="Shruti"/>
+        <a:font script="Khmr" typeface="MoolBoran"/>
+        <a:font script="Knda" typeface="Tunga"/>
+        <a:font script="Guru" typeface="Raavi"/>
+        <a:font script="Cans" typeface="Euphemia"/>
+        <a:font script="Cher" typeface="Plantagenet Cherokee"/>
+        <a:font script="Yiii" typeface="Microsoft Yi Baiti"/>
+        <a:font script="Tibt" typeface="Microsoft Himalaya"/>
+        <a:font script="Thaa" typeface="MV Boli"/>
+        <a:font script="Deva" typeface="Mangal"/>
+        <a:font script="Telu" typeface="Gautami"/>
+        <a:font script="Taml" typeface="Latha"/>
+        <a:font script="Syrc" typeface="Estrangelo Edessa"/>
+        <a:font script="Orya" typeface="Kalinga"/>
+        <a:font script="Mlym" typeface="Kartika"/>
+        <a:font script="Laoo" typeface="DokChampa"/>
+        <a:font script="Sinh" typeface="Iskoola Pota"/>
+        <a:font script="Mong" typeface="Mongolian Baiti"/>
+        <a:font script="Viet" typeface="Times New Roman"/>
+        <a:font script="Uigh" typeface="Microsoft Uighur"/>
+        <a:font script="Geor" typeface="Sylfaen"/>
+      </a:majorFont>
+      <a:minorFont>
+        <a:latin typeface="Arial"/>
+        <a:ea typeface=""/>
+        <a:cs typeface=""/>
+        <a:font script="Jpan" typeface="ＭＳ Ｐゴシック"/>
+        <a:font script="Hang" typeface="맑은 고딕"/>
+        <a:font script="Hans" typeface="宋体"/>
+        <a:font script="Hant" typeface="新細明體"/>
+        <a:font script="Arab" typeface="Arial"/>
+        <a:font script="Hebr" typeface="Arial"/>
+        <a:font script="Thai" typeface="Cordia New"/>
+        <a:font script="Ethi" typeface="Nyala"/>
+        <a:font script="Beng" typeface="Vrinda"/>
+        <a:font script="Gujr" typeface="Shruti"/>
+        <a:font script="Khmr" typeface="DaunPenh"/>
+        <a:font script="Knda" typeface="Tunga"/>
+        <a:font script="Guru" typeface="Raavi"/>
+        <a:font script="Cans" typeface="Euphemia"/>
+        <a:font script="Cher" typeface="Plantagenet Cherokee"/>
+        <a:font script="Yiii" typeface="Microsoft Yi Baiti"/>
+        <a:font script="Tibt" typeface="Microsoft Himalaya"/>
+        <a:font script="Thaa" typeface="MV Boli"/>
+        <a:font script="Deva" typeface="Mangal"/>
+        <a:font script="Telu" typeface="Gautami"/>
+        <a:font script="Taml" typeface="Latha"/>
+        <a:font script="Syrc" typeface="Estrangelo Edessa"/>
+        <a:font script="Orya" typeface="Kalinga"/>
+        <a:font script="Mlym" typeface="Kartika"/>
+        <a:font script="Laoo" typeface="DokChampa"/>
+        <a:font script="Sinh" typeface="Iskoola Pota"/>
+        <a:font script="Mong" typeface="Mongolian Baiti"/>
+        <a:font script="Viet" typeface="Arial"/>
+        <a:font script="Uigh" typeface="Microsoft Uighur"/>
+        <a:font script="Geor" typeface="Sylfaen"/>
+      </a:minorFont>
+    </a:fontScheme>
+    <a:fmtScheme name="Office">
+      <a:fillStyleLst>
+        <a:solidFill>
+          <a:schemeClr val="phClr"/>
+        </a:solidFill>
+        <a:gradFill rotWithShape="1">
+          <a:gsLst>
+            <a:gs pos="0">
+              <a:schemeClr val="phClr">
+                <a:tint val="50000"/>
+                <a:satMod val="300000"/>
+              </a:schemeClr>
+            </a:gs>
+            <a:gs pos="35000">
+              <a:schemeClr val="phClr">
+                <a:tint val="37000"/>
+                <a:satMod val="300000"/>
+              </a:schemeClr>
+            </a:gs>
+            <a:gs pos="100000">
+              <a:schemeClr val="phClr">
+                <a:tint val="15000"/>
+                <a:satMod val="350000"/>
+              </a:schemeClr>
+            </a:gs>
+          </a:gsLst>
+          <a:lin ang="16200000" scaled="1"/>
+        </a:gradFill>
+        <a:gradFill rotWithShape="1">
+          <a:gsLst>
+            <a:gs pos="0">
+              <a:schemeClr val="phClr">
+                <a:tint val="100000"/>
+                <a:shade val="100000"/>
+                <a:satMod val="130000"/>
+              </a:schemeClr>
+            </a:gs>
+            <a:gs pos="100000">
+              <a:schemeClr val="phClr">
+                <a:tint val="50000"/>
+                <a:shade val="100000"/>
+                <a:satMod val="350000"/>
+              </a:schemeClr>
+            </a:gs>
+          </a:gsLst>
+          <a:lin ang="16200000" scaled="0"/>
+        </a:gradFill>
+      </a:fillStyleLst>
+      <a:lnStyleLst>
+        <a:ln w="9525" cap="flat" cmpd="sng" algn="ctr">
+          <a:solidFill>
+            <a:schemeClr val="phClr">
+              <a:shade val="95000"/>
+              <a:satMod val="105000"/>
+            </a:schemeClr>
+          </a:solidFill>
+          <a:prstDash val="solid"/>
+        </a:ln>
+        <a:ln w="25400" cap="flat" cmpd="sng" algn="ctr">
+          <a:solidFill>
+            <a:schemeClr val="phClr"/>
+          </a:solidFill>
+          <a:prstDash val="solid"/>
+        </a:ln>
+        <a:ln w="38100" cap="flat" cmpd="sng" algn="ctr">
+          <a:solidFill>
+            <a:schemeClr val="phClr"/>
+          </a:solidFill>
+          <a:prstDash val="solid"/>
+        </a:ln>
+      </a:lnStyleLst>
+      <a:effectStyleLst>
+        <a:effectStyle>
+          <a:effectLst>
+            <a:outerShdw blurRad="40000" dist="20000" dir="5400000" rotWithShape="0">
+              <a:srgbClr val="000000">
+                <a:alpha val="38000"/>
+              </a:srgbClr>
+            </a:outerShdw>
+          </a:effectLst>
+        </a:effectStyle>
+        <a:effectStyle>
+          <a:effectLst>
+            <a:outerShdw blurRad="40000" dist="23000" dir="5400000" rotWithShape="0">
+              <a:srgbClr val="000000">
+                <a:alpha val="35000"/>
+              </a:srgbClr>
+            </a:outerShdw>
+          </a:effectLst>
+        </a:effectStyle>
+        <a:effectStyle>
+          <a:effectLst>
+            <a:outerShdw blurRad="40000" dist="23000" dir="5400000" rotWithShape="0">
+              <a:srgbClr val="000000">
+                <a:alpha val="35000"/>
+              </a:srgbClr>
+            </a:outerShdw>
+          </a:effectLst>
+          <a:scene3d>
+            <a:camera prst="orthographicFront">
+              <a:rot lat="0" lon="0" rev="0"/>
+            </a:camera>
+            <a:lightRig rig="threePt" dir="t">
+              <a:rot lat="0" lon="0" rev="1200000"/>
+            </a:lightRig>
+          </a:scene3d>
+          <a:sp3d>
+            <a:bevelT w="63500" h="25400"/>
+          </a:sp3d>
+        </a:effectStyle>
+      </a:effectStyleLst>
+      <a:bgFillStyleLst>
+        <a:solidFill>
+          <a:schemeClr val="phClr"/>
+        </a:solidFill>
+        <a:gradFill rotWithShape="1">
+          <a:gsLst>
+            <a:gs pos="0">
+              <a:schemeClr val="phClr">
+                <a:tint val="40000"/>
+                <a:satMod val="350000"/>
+              </a:schemeClr>
+            </a:gs>
+            <a:gs pos="40000">
+              <a:schemeClr val="phClr">
+                <a:tint val="45000"/>
+                <a:shade val="99000"/>
+                <a:satMod val="350000"/>
+              </a:schemeClr>
+            </a:gs>
+            <a:gs pos="100000">
+              <a:schemeClr val="phClr">
+                <a:shade val="20000"/>
+                <a:satMod val="255000"/>
+              </a:schemeClr>
+            </a:gs>
+          </a:gsLst>
+          <a:path path="circle">
+            <a:fillToRect l="50000" t="-80000" r="50000" b="180000"/>
+          </a:path>
+        </a:gradFill>
+        <a:gradFill rotWithShape="1">
+          <a:gsLst>
+            <a:gs pos="0">
+              <a:schemeClr val="phClr">
+                <a:tint val="80000"/>
+                <a:satMod val="300000"/>
+              </a:schemeClr>
+            </a:gs>
+            <a:gs pos="100000">
+              <a:schemeClr val="phClr">
+                <a:shade val="30000"/>
+                <a:satMod val="200000"/>
+              </a:schemeClr>
+            </a:gs>
+          </a:gsLst>
+          <a:path path="circle">
+            <a:fillToRect l="50000" t="50000" r="50000" b="50000"/>
+          </a:path>
+        </a:gradFill>
+      </a:bgFillStyleLst>
+    </a:fmtScheme>
+  </a:themeElements>
+</a:theme>
+</file>
+
+<file path=ppt/theme/theme2.xml><?xml version="1.0" encoding="utf-8"?>
 <a:theme xmlns:a="http://schemas.openxmlformats.org/drawingml/2006/main" xmlns:r="http://schemas.openxmlformats.org/officeDocument/2006/relationships" name="simple-light-2">
   <a:themeElements>
     <a:clrScheme name="Simple Light">
@@ -10190,283 +10554,4 @@
     </a:fmtScheme>
   </a:themeElements>
 </a:theme>
-</file>
-
-<file path=ppt/theme/theme2.xml><?xml version="1.0" encoding="utf-8"?>
-<a:theme xmlns:a="http://schemas.openxmlformats.org/drawingml/2006/main" xmlns:r="http://schemas.openxmlformats.org/officeDocument/2006/relationships" name="Custom Theme">
-  <a:themeElements>
-    <a:clrScheme name="Default">
-      <a:dk1>
-        <a:srgbClr val="000000"/>
-      </a:dk1>
-      <a:lt1>
-        <a:srgbClr val="FFFFFF"/>
-      </a:lt1>
-      <a:dk2>
-        <a:srgbClr val="158158"/>
-      </a:dk2>
-      <a:lt2>
-        <a:srgbClr val="F3F3F3"/>
-      </a:lt2>
-      <a:accent1>
-        <a:srgbClr val="058DC7"/>
-      </a:accent1>
-      <a:accent2>
-        <a:srgbClr val="50B432"/>
-      </a:accent2>
-      <a:accent3>
-        <a:srgbClr val="ED561B"/>
-      </a:accent3>
-      <a:accent4>
-        <a:srgbClr val="EDEF00"/>
-      </a:accent4>
-      <a:accent5>
-        <a:srgbClr val="24CBE5"/>
-      </a:accent5>
-      <a:accent6>
-        <a:srgbClr val="64E572"/>
-      </a:accent6>
-      <a:hlink>
-        <a:srgbClr val="2200CC"/>
-      </a:hlink>
-      <a:folHlink>
-        <a:srgbClr val="551A8B"/>
-      </a:folHlink>
-    </a:clrScheme>
-    <a:fontScheme name="Office">
-      <a:majorFont>
-        <a:latin typeface="Arial"/>
-        <a:ea typeface=""/>
-        <a:cs typeface=""/>
-        <a:font script="Jpan" typeface="ＭＳ Ｐゴシック"/>
-        <a:font script="Hang" typeface="맑은 고딕"/>
-        <a:font script="Hans" typeface="宋体"/>
-        <a:font script="Hant" typeface="新細明體"/>
-        <a:font script="Arab" typeface="Times New Roman"/>
-        <a:font script="Hebr" typeface="Times New Roman"/>
-        <a:font script="Thai" typeface="Angsana New"/>
-        <a:font script="Ethi" typeface="Nyala"/>
-        <a:font script="Beng" typeface="Vrinda"/>
-        <a:font script="Gujr" typeface="Shruti"/>
-        <a:font script="Khmr" typeface="MoolBoran"/>
-        <a:font script="Knda" typeface="Tunga"/>
-        <a:font script="Guru" typeface="Raavi"/>
-        <a:font script="Cans" typeface="Euphemia"/>
-        <a:font script="Cher" typeface="Plantagenet Cherokee"/>
-        <a:font script="Yiii" typeface="Microsoft Yi Baiti"/>
-        <a:font script="Tibt" typeface="Microsoft Himalaya"/>
-        <a:font script="Thaa" typeface="MV Boli"/>
-        <a:font script="Deva" typeface="Mangal"/>
-        <a:font script="Telu" typeface="Gautami"/>
-        <a:font script="Taml" typeface="Latha"/>
-        <a:font script="Syrc" typeface="Estrangelo Edessa"/>
-        <a:font script="Orya" typeface="Kalinga"/>
-        <a:font script="Mlym" typeface="Kartika"/>
-        <a:font script="Laoo" typeface="DokChampa"/>
-        <a:font script="Sinh" typeface="Iskoola Pota"/>
-        <a:font script="Mong" typeface="Mongolian Baiti"/>
-        <a:font script="Viet" typeface="Times New Roman"/>
-        <a:font script="Uigh" typeface="Microsoft Uighur"/>
-        <a:font script="Geor" typeface="Sylfaen"/>
-      </a:majorFont>
-      <a:minorFont>
-        <a:latin typeface="Arial"/>
-        <a:ea typeface=""/>
-        <a:cs typeface=""/>
-        <a:font script="Jpan" typeface="ＭＳ Ｐゴシック"/>
-        <a:font script="Hang" typeface="맑은 고딕"/>
-        <a:font script="Hans" typeface="宋体"/>
-        <a:font script="Hant" typeface="新細明體"/>
-        <a:font script="Arab" typeface="Arial"/>
-        <a:font script="Hebr" typeface="Arial"/>
-        <a:font script="Thai" typeface="Cordia New"/>
-        <a:font script="Ethi" typeface="Nyala"/>
-        <a:font script="Beng" typeface="Vrinda"/>
-        <a:font script="Gujr" typeface="Shruti"/>
-        <a:font script="Khmr" typeface="DaunPenh"/>
-        <a:font script="Knda" typeface="Tunga"/>
-        <a:font script="Guru" typeface="Raavi"/>
-        <a:font script="Cans" typeface="Euphemia"/>
-        <a:font script="Cher" typeface="Plantagenet Cherokee"/>
-        <a:font script="Yiii" typeface="Microsoft Yi Baiti"/>
-        <a:font script="Tibt" typeface="Microsoft Himalaya"/>
-        <a:font script="Thaa" typeface="MV Boli"/>
-        <a:font script="Deva" typeface="Mangal"/>
-        <a:font script="Telu" typeface="Gautami"/>
-        <a:font script="Taml" typeface="Latha"/>
-        <a:font script="Syrc" typeface="Estrangelo Edessa"/>
-        <a:font script="Orya" typeface="Kalinga"/>
-        <a:font script="Mlym" typeface="Kartika"/>
-        <a:font script="Laoo" typeface="DokChampa"/>
-        <a:font script="Sinh" typeface="Iskoola Pota"/>
-        <a:font script="Mong" typeface="Mongolian Baiti"/>
-        <a:font script="Viet" typeface="Arial"/>
-        <a:font script="Uigh" typeface="Microsoft Uighur"/>
-        <a:font script="Geor" typeface="Sylfaen"/>
-      </a:minorFont>
-    </a:fontScheme>
-    <a:fmtScheme name="Office">
-      <a:fillStyleLst>
-        <a:solidFill>
-          <a:schemeClr val="phClr"/>
-        </a:solidFill>
-        <a:gradFill rotWithShape="1">
-          <a:gsLst>
-            <a:gs pos="0">
-              <a:schemeClr val="phClr">
-                <a:tint val="50000"/>
-                <a:satMod val="300000"/>
-              </a:schemeClr>
-            </a:gs>
-            <a:gs pos="35000">
-              <a:schemeClr val="phClr">
-                <a:tint val="37000"/>
-                <a:satMod val="300000"/>
-              </a:schemeClr>
-            </a:gs>
-            <a:gs pos="100000">
-              <a:schemeClr val="phClr">
-                <a:tint val="15000"/>
-                <a:satMod val="350000"/>
-              </a:schemeClr>
-            </a:gs>
-          </a:gsLst>
-          <a:lin ang="16200000" scaled="1"/>
-        </a:gradFill>
-        <a:gradFill rotWithShape="1">
-          <a:gsLst>
-            <a:gs pos="0">
-              <a:schemeClr val="phClr">
-                <a:tint val="100000"/>
-                <a:shade val="100000"/>
-                <a:satMod val="130000"/>
-              </a:schemeClr>
-            </a:gs>
-            <a:gs pos="100000">
-              <a:schemeClr val="phClr">
-                <a:tint val="50000"/>
-                <a:shade val="100000"/>
-                <a:satMod val="350000"/>
-              </a:schemeClr>
-            </a:gs>
-          </a:gsLst>
-          <a:lin ang="16200000" scaled="0"/>
-        </a:gradFill>
-      </a:fillStyleLst>
-      <a:lnStyleLst>
-        <a:ln w="9525" cap="flat" cmpd="sng" algn="ctr">
-          <a:solidFill>
-            <a:schemeClr val="phClr">
-              <a:shade val="95000"/>
-              <a:satMod val="105000"/>
-            </a:schemeClr>
-          </a:solidFill>
-          <a:prstDash val="solid"/>
-        </a:ln>
-        <a:ln w="25400" cap="flat" cmpd="sng" algn="ctr">
-          <a:solidFill>
-            <a:schemeClr val="phClr"/>
-          </a:solidFill>
-          <a:prstDash val="solid"/>
-        </a:ln>
-        <a:ln w="38100" cap="flat" cmpd="sng" algn="ctr">
-          <a:solidFill>
-            <a:schemeClr val="phClr"/>
-          </a:solidFill>
-          <a:prstDash val="solid"/>
-        </a:ln>
-      </a:lnStyleLst>
-      <a:effectStyleLst>
-        <a:effectStyle>
-          <a:effectLst>
-            <a:outerShdw blurRad="40000" dist="20000" dir="5400000" rotWithShape="0">
-              <a:srgbClr val="000000">
-                <a:alpha val="38000"/>
-              </a:srgbClr>
-            </a:outerShdw>
-          </a:effectLst>
-        </a:effectStyle>
-        <a:effectStyle>
-          <a:effectLst>
-            <a:outerShdw blurRad="40000" dist="23000" dir="5400000" rotWithShape="0">
-              <a:srgbClr val="000000">
-                <a:alpha val="35000"/>
-              </a:srgbClr>
-            </a:outerShdw>
-          </a:effectLst>
-        </a:effectStyle>
-        <a:effectStyle>
-          <a:effectLst>
-            <a:outerShdw blurRad="40000" dist="23000" dir="5400000" rotWithShape="0">
-              <a:srgbClr val="000000">
-                <a:alpha val="35000"/>
-              </a:srgbClr>
-            </a:outerShdw>
-          </a:effectLst>
-          <a:scene3d>
-            <a:camera prst="orthographicFront">
-              <a:rot lat="0" lon="0" rev="0"/>
-            </a:camera>
-            <a:lightRig rig="threePt" dir="t">
-              <a:rot lat="0" lon="0" rev="1200000"/>
-            </a:lightRig>
-          </a:scene3d>
-          <a:sp3d>
-            <a:bevelT w="63500" h="25400"/>
-          </a:sp3d>
-        </a:effectStyle>
-      </a:effectStyleLst>
-      <a:bgFillStyleLst>
-        <a:solidFill>
-          <a:schemeClr val="phClr"/>
-        </a:solidFill>
-        <a:gradFill rotWithShape="1">
-          <a:gsLst>
-            <a:gs pos="0">
-              <a:schemeClr val="phClr">
-                <a:tint val="40000"/>
-                <a:satMod val="350000"/>
-              </a:schemeClr>
-            </a:gs>
-            <a:gs pos="40000">
-              <a:schemeClr val="phClr">
-                <a:tint val="45000"/>
-                <a:shade val="99000"/>
-                <a:satMod val="350000"/>
-              </a:schemeClr>
-            </a:gs>
-            <a:gs pos="100000">
-              <a:schemeClr val="phClr">
-                <a:shade val="20000"/>
-                <a:satMod val="255000"/>
-              </a:schemeClr>
-            </a:gs>
-          </a:gsLst>
-          <a:path path="circle">
-            <a:fillToRect l="50000" t="-80000" r="50000" b="180000"/>
-          </a:path>
-        </a:gradFill>
-        <a:gradFill rotWithShape="1">
-          <a:gsLst>
-            <a:gs pos="0">
-              <a:schemeClr val="phClr">
-                <a:tint val="80000"/>
-                <a:satMod val="300000"/>
-              </a:schemeClr>
-            </a:gs>
-            <a:gs pos="100000">
-              <a:schemeClr val="phClr">
-                <a:shade val="30000"/>
-                <a:satMod val="200000"/>
-              </a:schemeClr>
-            </a:gs>
-          </a:gsLst>
-          <a:path path="circle">
-            <a:fillToRect l="50000" t="50000" r="50000" b="50000"/>
-          </a:path>
-        </a:gradFill>
-      </a:bgFillStyleLst>
-    </a:fmtScheme>
-  </a:themeElements>
-</a:theme>
 </file>
--- a/Zen Do SQL.pptx
+++ b/Zen Do SQL.pptx
@@ -33,6 +33,7 @@
     <p:sldId id="278" r:id="rId27"/>
     <p:sldId id="279" r:id="rId28"/>
     <p:sldId id="280" r:id="rId29"/>
+    <p:sldId id="281" r:id="rId30"/>
   </p:sldIdLst>
   <p:sldSz cy="5143500" cx="9144000"/>
   <p:notesSz cx="6858000" cy="9144000"/>
@@ -775,7 +776,7 @@
   <p:cSld>
     <p:spTree>
       <p:nvGrpSpPr>
-        <p:cNvPr id="125" name="Shape 125"/>
+        <p:cNvPr id="126" name="Shape 126"/>
         <p:cNvGrpSpPr/>
         <p:nvPr/>
       </p:nvGrpSpPr>
@@ -789,7 +790,7 @@
       </p:grpSpPr>
       <p:sp>
         <p:nvSpPr>
-          <p:cNvPr id="126" name="Shape 126"/>
+          <p:cNvPr id="127" name="Shape 127"/>
           <p:cNvSpPr/>
           <p:nvPr>
             <p:ph idx="2" type="sldImg"/>
@@ -823,7 +824,7 @@
       </p:sp>
       <p:sp>
         <p:nvSpPr>
-          <p:cNvPr id="127" name="Shape 127"/>
+          <p:cNvPr id="128" name="Shape 128"/>
           <p:cNvSpPr txBox="1"/>
           <p:nvPr>
             <p:ph idx="1" type="body"/>
@@ -870,7 +871,7 @@
   <p:cSld>
     <p:spTree>
       <p:nvGrpSpPr>
-        <p:cNvPr id="130" name="Shape 130"/>
+        <p:cNvPr id="131" name="Shape 131"/>
         <p:cNvGrpSpPr/>
         <p:nvPr/>
       </p:nvGrpSpPr>
@@ -884,7 +885,7 @@
       </p:grpSpPr>
       <p:sp>
         <p:nvSpPr>
-          <p:cNvPr id="131" name="Shape 131"/>
+          <p:cNvPr id="132" name="Shape 132"/>
           <p:cNvSpPr/>
           <p:nvPr>
             <p:ph idx="2" type="sldImg"/>
@@ -918,7 +919,7 @@
       </p:sp>
       <p:sp>
         <p:nvSpPr>
-          <p:cNvPr id="132" name="Shape 132"/>
+          <p:cNvPr id="133" name="Shape 133"/>
           <p:cNvSpPr txBox="1"/>
           <p:nvPr>
             <p:ph idx="1" type="body"/>
@@ -965,7 +966,7 @@
   <p:cSld>
     <p:spTree>
       <p:nvGrpSpPr>
-        <p:cNvPr id="135" name="Shape 135"/>
+        <p:cNvPr id="136" name="Shape 136"/>
         <p:cNvGrpSpPr/>
         <p:nvPr/>
       </p:nvGrpSpPr>
@@ -979,7 +980,7 @@
       </p:grpSpPr>
       <p:sp>
         <p:nvSpPr>
-          <p:cNvPr id="136" name="Shape 136"/>
+          <p:cNvPr id="137" name="Shape 137"/>
           <p:cNvSpPr/>
           <p:nvPr>
             <p:ph idx="2" type="sldImg"/>
@@ -1013,7 +1014,7 @@
       </p:sp>
       <p:sp>
         <p:nvSpPr>
-          <p:cNvPr id="137" name="Shape 137"/>
+          <p:cNvPr id="138" name="Shape 138"/>
           <p:cNvSpPr txBox="1"/>
           <p:nvPr>
             <p:ph idx="1" type="body"/>
@@ -1155,7 +1156,7 @@
   <p:cSld>
     <p:spTree>
       <p:nvGrpSpPr>
-        <p:cNvPr id="148" name="Shape 148"/>
+        <p:cNvPr id="147" name="Shape 147"/>
         <p:cNvGrpSpPr/>
         <p:nvPr/>
       </p:nvGrpSpPr>
@@ -1169,7 +1170,7 @@
       </p:grpSpPr>
       <p:sp>
         <p:nvSpPr>
-          <p:cNvPr id="149" name="Shape 149"/>
+          <p:cNvPr id="148" name="Shape 148"/>
           <p:cNvSpPr/>
           <p:nvPr>
             <p:ph idx="2" type="sldImg"/>
@@ -1203,7 +1204,7 @@
       </p:sp>
       <p:sp>
         <p:nvSpPr>
-          <p:cNvPr id="150" name="Shape 150"/>
+          <p:cNvPr id="149" name="Shape 149"/>
           <p:cNvSpPr txBox="1"/>
           <p:nvPr>
             <p:ph idx="1" type="body"/>
@@ -1250,7 +1251,7 @@
   <p:cSld>
     <p:spTree>
       <p:nvGrpSpPr>
-        <p:cNvPr id="153" name="Shape 153"/>
+        <p:cNvPr id="154" name="Shape 154"/>
         <p:cNvGrpSpPr/>
         <p:nvPr/>
       </p:nvGrpSpPr>
@@ -1264,7 +1265,7 @@
       </p:grpSpPr>
       <p:sp>
         <p:nvSpPr>
-          <p:cNvPr id="154" name="Shape 154"/>
+          <p:cNvPr id="155" name="Shape 155"/>
           <p:cNvSpPr/>
           <p:nvPr>
             <p:ph idx="2" type="sldImg"/>
@@ -1298,7 +1299,7 @@
       </p:sp>
       <p:sp>
         <p:nvSpPr>
-          <p:cNvPr id="155" name="Shape 155"/>
+          <p:cNvPr id="156" name="Shape 156"/>
           <p:cNvSpPr txBox="1"/>
           <p:nvPr>
             <p:ph idx="1" type="body"/>
@@ -1630,7 +1631,7 @@
   <p:cSld>
     <p:spTree>
       <p:nvGrpSpPr>
-        <p:cNvPr id="172" name="Shape 172"/>
+        <p:cNvPr id="171" name="Shape 171"/>
         <p:cNvGrpSpPr/>
         <p:nvPr/>
       </p:nvGrpSpPr>
@@ -1644,7 +1645,7 @@
       </p:grpSpPr>
       <p:sp>
         <p:nvSpPr>
-          <p:cNvPr id="173" name="Shape 173"/>
+          <p:cNvPr id="172" name="Shape 172"/>
           <p:cNvSpPr/>
           <p:nvPr>
             <p:ph idx="2" type="sldImg"/>
@@ -1678,7 +1679,7 @@
       </p:sp>
       <p:sp>
         <p:nvSpPr>
-          <p:cNvPr id="174" name="Shape 174"/>
+          <p:cNvPr id="173" name="Shape 173"/>
           <p:cNvSpPr txBox="1"/>
           <p:nvPr>
             <p:ph idx="1" type="body"/>
@@ -1725,7 +1726,7 @@
   <p:cSld>
     <p:spTree>
       <p:nvGrpSpPr>
-        <p:cNvPr id="179" name="Shape 179"/>
+        <p:cNvPr id="178" name="Shape 178"/>
         <p:cNvGrpSpPr/>
         <p:nvPr/>
       </p:nvGrpSpPr>
@@ -1739,7 +1740,7 @@
       </p:grpSpPr>
       <p:sp>
         <p:nvSpPr>
-          <p:cNvPr id="180" name="Shape 180"/>
+          <p:cNvPr id="179" name="Shape 179"/>
           <p:cNvSpPr/>
           <p:nvPr>
             <p:ph idx="2" type="sldImg"/>
@@ -1773,7 +1774,7 @@
       </p:sp>
       <p:sp>
         <p:nvSpPr>
-          <p:cNvPr id="181" name="Shape 181"/>
+          <p:cNvPr id="180" name="Shape 180"/>
           <p:cNvSpPr txBox="1"/>
           <p:nvPr>
             <p:ph idx="1" type="body"/>
@@ -1820,7 +1821,7 @@
   <p:cSld>
     <p:spTree>
       <p:nvGrpSpPr>
-        <p:cNvPr id="187" name="Shape 187"/>
+        <p:cNvPr id="185" name="Shape 185"/>
         <p:cNvGrpSpPr/>
         <p:nvPr/>
       </p:nvGrpSpPr>
@@ -1834,7 +1835,7 @@
       </p:grpSpPr>
       <p:sp>
         <p:nvSpPr>
-          <p:cNvPr id="188" name="Shape 188"/>
+          <p:cNvPr id="186" name="Shape 186"/>
           <p:cNvSpPr/>
           <p:nvPr>
             <p:ph idx="2" type="sldImg"/>
@@ -1868,7 +1869,7 @@
       </p:sp>
       <p:sp>
         <p:nvSpPr>
-          <p:cNvPr id="189" name="Shape 189"/>
+          <p:cNvPr id="187" name="Shape 187"/>
           <p:cNvSpPr txBox="1"/>
           <p:nvPr>
             <p:ph idx="1" type="body"/>
@@ -1915,7 +1916,7 @@
   <p:cSld>
     <p:spTree>
       <p:nvGrpSpPr>
-        <p:cNvPr id="194" name="Shape 194"/>
+        <p:cNvPr id="193" name="Shape 193"/>
         <p:cNvGrpSpPr/>
         <p:nvPr/>
       </p:nvGrpSpPr>
@@ -1929,7 +1930,7 @@
       </p:grpSpPr>
       <p:sp>
         <p:nvSpPr>
-          <p:cNvPr id="195" name="Shape 195"/>
+          <p:cNvPr id="194" name="Shape 194"/>
           <p:cNvSpPr/>
           <p:nvPr>
             <p:ph idx="2" type="sldImg"/>
@@ -1963,7 +1964,7 @@
       </p:sp>
       <p:sp>
         <p:nvSpPr>
-          <p:cNvPr id="196" name="Shape 196"/>
+          <p:cNvPr id="195" name="Shape 195"/>
           <p:cNvSpPr txBox="1"/>
           <p:nvPr>
             <p:ph idx="1" type="body"/>
@@ -2100,6 +2101,101 @@
 </p:notes>
 </file>
 
+<file path=ppt/notesSlides/notesSlide26.xml><?xml version="1.0" encoding="utf-8"?>
+<p:notes xmlns:a="http://schemas.openxmlformats.org/drawingml/2006/main" xmlns:r="http://schemas.openxmlformats.org/officeDocument/2006/relationships" xmlns:mc="http://schemas.openxmlformats.org/markup-compatibility/2006" xmlns:mv="urn:schemas-microsoft-com:mac:vml" xmlns:p="http://schemas.openxmlformats.org/presentationml/2006/main" xmlns:c="http://schemas.openxmlformats.org/drawingml/2006/chart" xmlns:dgm="http://schemas.openxmlformats.org/drawingml/2006/diagram" xmlns:o="urn:schemas-microsoft-com:office:office" xmlns:v="urn:schemas-microsoft-com:vml" xmlns:pvml="urn:schemas-microsoft-com:office:powerpoint" xmlns:com="http://schemas.openxmlformats.org/drawingml/2006/compatibility" xmlns:p14="http://schemas.microsoft.com/office/powerpoint/2010/main" showMasterPhAnim="0" showMasterSp="0">
+  <p:cSld>
+    <p:spTree>
+      <p:nvGrpSpPr>
+        <p:cNvPr id="206" name="Shape 206"/>
+        <p:cNvGrpSpPr/>
+        <p:nvPr/>
+      </p:nvGrpSpPr>
+      <p:grpSpPr>
+        <a:xfrm>
+          <a:off x="0" y="0"/>
+          <a:ext cx="0" cy="0"/>
+          <a:chOff x="0" y="0"/>
+          <a:chExt cx="0" cy="0"/>
+        </a:xfrm>
+      </p:grpSpPr>
+      <p:sp>
+        <p:nvSpPr>
+          <p:cNvPr id="207" name="Shape 207"/>
+          <p:cNvSpPr/>
+          <p:nvPr>
+            <p:ph idx="2" type="sldImg"/>
+          </p:nvPr>
+        </p:nvSpPr>
+        <p:spPr>
+          <a:xfrm>
+            <a:off x="381300" y="685800"/>
+            <a:ext cx="6096000" cy="3429000"/>
+          </a:xfrm>
+          <a:custGeom>
+            <a:pathLst>
+              <a:path extrusionOk="0" h="120000" w="120000">
+                <a:moveTo>
+                  <a:pt x="0" y="0"/>
+                </a:moveTo>
+                <a:lnTo>
+                  <a:pt x="120000" y="0"/>
+                </a:lnTo>
+                <a:lnTo>
+                  <a:pt x="120000" y="120000"/>
+                </a:lnTo>
+                <a:lnTo>
+                  <a:pt x="0" y="120000"/>
+                </a:lnTo>
+                <a:close/>
+              </a:path>
+            </a:pathLst>
+          </a:custGeom>
+        </p:spPr>
+      </p:sp>
+      <p:sp>
+        <p:nvSpPr>
+          <p:cNvPr id="208" name="Shape 208"/>
+          <p:cNvSpPr txBox="1"/>
+          <p:nvPr>
+            <p:ph idx="1" type="body"/>
+          </p:nvPr>
+        </p:nvSpPr>
+        <p:spPr>
+          <a:xfrm>
+            <a:off x="685800" y="4343400"/>
+            <a:ext cx="5486400" cy="4114800"/>
+          </a:xfrm>
+          <a:prstGeom prst="rect">
+            <a:avLst/>
+          </a:prstGeom>
+        </p:spPr>
+        <p:txBody>
+          <a:bodyPr anchorCtr="0" anchor="t" bIns="91425" lIns="91425" rIns="91425" tIns="91425">
+            <a:noAutofit/>
+          </a:bodyPr>
+          <a:lstStyle/>
+          <a:p>
+            <a:pPr lvl="0" rtl="0">
+              <a:spcBef>
+                <a:spcPts val="0"/>
+              </a:spcBef>
+              <a:buNone/>
+            </a:pPr>
+            <a:r>
+              <a:t/>
+            </a:r>
+            <a:endParaRPr/>
+          </a:p>
+        </p:txBody>
+      </p:sp>
+    </p:spTree>
+  </p:cSld>
+  <p:clrMapOvr>
+    <a:masterClrMapping/>
+  </p:clrMapOvr>
+</p:notes>
+</file>
+
 <file path=ppt/notesSlides/notesSlide3.xml><?xml version="1.0" encoding="utf-8"?>
 <p:notes xmlns:a="http://schemas.openxmlformats.org/drawingml/2006/main" xmlns:r="http://schemas.openxmlformats.org/officeDocument/2006/relationships" xmlns:mc="http://schemas.openxmlformats.org/markup-compatibility/2006" xmlns:mv="urn:schemas-microsoft-com:mac:vml" xmlns:p="http://schemas.openxmlformats.org/presentationml/2006/main" xmlns:c="http://schemas.openxmlformats.org/drawingml/2006/chart" xmlns:dgm="http://schemas.openxmlformats.org/drawingml/2006/diagram" xmlns:o="urn:schemas-microsoft-com:office:office" xmlns:v="urn:schemas-microsoft-com:vml" xmlns:pvml="urn:schemas-microsoft-com:office:powerpoint" xmlns:com="http://schemas.openxmlformats.org/drawingml/2006/compatibility" xmlns:p14="http://schemas.microsoft.com/office/powerpoint/2010/main" showMasterPhAnim="0" showMasterSp="0">
   <p:cSld>
@@ -2580,7 +2676,7 @@
   <p:cSld>
     <p:spTree>
       <p:nvGrpSpPr>
-        <p:cNvPr id="95" name="Shape 95"/>
+        <p:cNvPr id="94" name="Shape 94"/>
         <p:cNvGrpSpPr/>
         <p:nvPr/>
       </p:nvGrpSpPr>
@@ -2594,7 +2690,7 @@
       </p:grpSpPr>
       <p:sp>
         <p:nvSpPr>
-          <p:cNvPr id="96" name="Shape 96"/>
+          <p:cNvPr id="95" name="Shape 95"/>
           <p:cNvSpPr/>
           <p:nvPr>
             <p:ph idx="2" type="sldImg"/>
@@ -2628,7 +2724,7 @@
       </p:sp>
       <p:sp>
         <p:nvSpPr>
-          <p:cNvPr id="97" name="Shape 97"/>
+          <p:cNvPr id="96" name="Shape 96"/>
           <p:cNvSpPr txBox="1"/>
           <p:nvPr>
             <p:ph idx="1" type="body"/>
@@ -2675,7 +2771,7 @@
   <p:cSld>
     <p:spTree>
       <p:nvGrpSpPr>
-        <p:cNvPr id="102" name="Shape 102"/>
+        <p:cNvPr id="101" name="Shape 101"/>
         <p:cNvGrpSpPr/>
         <p:nvPr/>
       </p:nvGrpSpPr>
@@ -2689,7 +2785,7 @@
       </p:grpSpPr>
       <p:sp>
         <p:nvSpPr>
-          <p:cNvPr id="103" name="Shape 103"/>
+          <p:cNvPr id="102" name="Shape 102"/>
           <p:cNvSpPr/>
           <p:nvPr>
             <p:ph idx="2" type="sldImg"/>
@@ -2723,7 +2819,7 @@
       </p:sp>
       <p:sp>
         <p:nvSpPr>
-          <p:cNvPr id="104" name="Shape 104"/>
+          <p:cNvPr id="103" name="Shape 103"/>
           <p:cNvSpPr txBox="1"/>
           <p:nvPr>
             <p:ph idx="1" type="body"/>
@@ -6119,8 +6215,8 @@
         </p:nvSpPr>
         <p:spPr>
           <a:xfrm>
-            <a:off x="311700" y="729550"/>
-            <a:ext cx="8520600" cy="666600"/>
+            <a:off x="311700" y="155275"/>
+            <a:ext cx="8520600" cy="718500"/>
           </a:xfrm>
           <a:prstGeom prst="rect">
             <a:avLst/>
@@ -6140,7 +6236,7 @@
             </a:pPr>
             <a:r>
               <a:rPr lang="en" sz="3600"/>
-              <a:t>Concluindo</a:t>
+              <a:t>Ou Seja,</a:t>
             </a:r>
           </a:p>
         </p:txBody>
@@ -6153,8 +6249,8 @@
         </p:nvSpPr>
         <p:spPr>
           <a:xfrm>
-            <a:off x="311700" y="1448175"/>
-            <a:ext cx="8520600" cy="3118200"/>
+            <a:off x="346000" y="740650"/>
+            <a:ext cx="8520600" cy="3975300"/>
           </a:xfrm>
           <a:prstGeom prst="rect">
             <a:avLst/>
@@ -6183,7 +6279,7 @@
               <a:buNone/>
             </a:pPr>
             <a:r>
-              <a:rPr i="1" lang="en" sz="3000">
+              <a:rPr lang="en" sz="2400">
                 <a:solidFill>
                   <a:srgbClr val="252525"/>
                 </a:solidFill>
@@ -6191,7 +6287,79 @@
                   <a:srgbClr val="FFFFFF"/>
                 </a:highlight>
               </a:rPr>
-              <a:t>De todos os fatores que veremos nesse curso, de longe é o tamanho do produto cartesiano da consulta oque mais afeta a performance dela.</a:t>
+              <a:t>Se temos 1 tabela de 10000 registros, outra com 1000000 e outra com 1000000 de registros, o servidor deve loopar no minimo: </a:t>
+            </a:r>
+            <a:r>
+              <a:rPr b="1" lang="en" sz="2400">
+                <a:solidFill>
+                  <a:srgbClr val="252525"/>
+                </a:solidFill>
+                <a:highlight>
+                  <a:srgbClr val="FFFFFF"/>
+                </a:highlight>
+              </a:rPr>
+              <a:t>10000000000000000 (10 quadrilhoes de vezes) </a:t>
+            </a:r>
+            <a:r>
+              <a:rPr lang="en" sz="2400">
+                <a:solidFill>
+                  <a:srgbClr val="252525"/>
+                </a:solidFill>
+                <a:highlight>
+                  <a:srgbClr val="FFFFFF"/>
+                </a:highlight>
+              </a:rPr>
+              <a:t>para produzir um resultado.</a:t>
+            </a:r>
+          </a:p>
+          <a:p>
+            <a:pPr lvl="0" rtl="0" algn="just">
+              <a:lnSpc>
+                <a:spcPct val="115000"/>
+              </a:lnSpc>
+              <a:spcBef>
+                <a:spcPts val="600"/>
+              </a:spcBef>
+              <a:spcAft>
+                <a:spcPts val="600"/>
+              </a:spcAft>
+              <a:buNone/>
+            </a:pPr>
+            <a:r>
+              <a:t/>
+            </a:r>
+            <a:endParaRPr sz="2400">
+              <a:solidFill>
+                <a:srgbClr val="252525"/>
+              </a:solidFill>
+              <a:highlight>
+                <a:srgbClr val="FFFFFF"/>
+              </a:highlight>
+            </a:endParaRPr>
+          </a:p>
+          <a:p>
+            <a:pPr lvl="0" rtl="0" algn="just">
+              <a:lnSpc>
+                <a:spcPct val="115000"/>
+              </a:lnSpc>
+              <a:spcBef>
+                <a:spcPts val="600"/>
+              </a:spcBef>
+              <a:spcAft>
+                <a:spcPts val="600"/>
+              </a:spcAft>
+              <a:buNone/>
+            </a:pPr>
+            <a:r>
+              <a:rPr i="1" lang="en" sz="2400">
+                <a:solidFill>
+                  <a:srgbClr val="252525"/>
+                </a:solidFill>
+                <a:highlight>
+                  <a:srgbClr val="FFFFFF"/>
+                </a:highlight>
+              </a:rPr>
+              <a:t>Apesar de utilizarmos cláusulas nos nossos joins, de qualquer forma ele tera q loopar várias vezes para produzir o resultado</a:t>
             </a:r>
           </a:p>
         </p:txBody>
@@ -6231,8 +6399,8 @@
         </p:nvSpPr>
         <p:spPr>
           <a:xfrm>
-            <a:off x="311700" y="155275"/>
-            <a:ext cx="8520600" cy="1315500"/>
+            <a:off x="311700" y="729550"/>
+            <a:ext cx="8520600" cy="666600"/>
           </a:xfrm>
           <a:prstGeom prst="rect">
             <a:avLst/>
@@ -6244,7 +6412,7 @@
           </a:bodyPr>
           <a:lstStyle/>
           <a:p>
-            <a:pPr lvl="0">
+            <a:pPr lvl="0" rtl="0">
               <a:spcBef>
                 <a:spcPts val="0"/>
               </a:spcBef>
@@ -6252,19 +6420,7 @@
             </a:pPr>
             <a:r>
               <a:rPr lang="en" sz="3600"/>
-              <a:t>E sob o ângulo da </a:t>
-            </a:r>
-          </a:p>
-          <a:p>
-            <a:pPr lvl="0" rtl="0">
-              <a:spcBef>
-                <a:spcPts val="0"/>
-              </a:spcBef>
-              <a:buNone/>
-            </a:pPr>
-            <a:r>
-              <a:rPr lang="en" sz="3600"/>
-              <a:t>Engenharia de Software?</a:t>
+              <a:t>Concluindo</a:t>
             </a:r>
           </a:p>
         </p:txBody>
@@ -6277,8 +6433,8 @@
         </p:nvSpPr>
         <p:spPr>
           <a:xfrm>
-            <a:off x="346000" y="1341000"/>
-            <a:ext cx="8520600" cy="3375000"/>
+            <a:off x="311700" y="1448175"/>
+            <a:ext cx="8520600" cy="3118200"/>
           </a:xfrm>
           <a:prstGeom prst="rect">
             <a:avLst/>
@@ -6315,7 +6471,7 @@
                   <a:srgbClr val="FFFFFF"/>
                 </a:highlight>
               </a:rPr>
-              <a:t>Existem diversos conceitos e boas práticas na engenharia de software, mas, uma das mais importantes é o principio de Single-Purpose, ou seja,</a:t>
+              <a:t>De todos os fatores que veremos nesse curso, de longe é o tamanho do produto cartesiano da consulta oque mais afeta a performance dela.</a:t>
             </a:r>
           </a:p>
         </p:txBody>
@@ -6345,24 +6501,64 @@
           <a:chExt cx="0" cy="0"/>
         </a:xfrm>
       </p:grpSpPr>
-      <p:pic>
-        <p:nvPicPr>
-          <p:cNvPr descr="SingleResponsibilityPrinciple2_71060858.jpg" id="124" name="Shape 124"/>
-          <p:cNvPicPr preferRelativeResize="0"/>
+      <p:sp>
+        <p:nvSpPr>
+          <p:cNvPr id="124" name="Shape 124"/>
+          <p:cNvSpPr txBox="1"/>
+          <p:nvPr>
+            <p:ph type="ctrTitle"/>
+          </p:nvPr>
+        </p:nvSpPr>
+        <p:spPr>
+          <a:xfrm>
+            <a:off x="311700" y="155275"/>
+            <a:ext cx="8520600" cy="1315500"/>
+          </a:xfrm>
+          <a:prstGeom prst="rect">
+            <a:avLst/>
+          </a:prstGeom>
+        </p:spPr>
+        <p:txBody>
+          <a:bodyPr anchorCtr="0" anchor="b" bIns="91425" lIns="91425" rIns="91425" tIns="91425">
+            <a:noAutofit/>
+          </a:bodyPr>
+          <a:lstStyle/>
+          <a:p>
+            <a:pPr lvl="0">
+              <a:spcBef>
+                <a:spcPts val="0"/>
+              </a:spcBef>
+              <a:buNone/>
+            </a:pPr>
+            <a:r>
+              <a:rPr lang="en" sz="3600"/>
+              <a:t>E sob o ângulo da </a:t>
+            </a:r>
+          </a:p>
+          <a:p>
+            <a:pPr lvl="0" rtl="0">
+              <a:spcBef>
+                <a:spcPts val="0"/>
+              </a:spcBef>
+              <a:buNone/>
+            </a:pPr>
+            <a:r>
+              <a:rPr lang="en" sz="3600"/>
+              <a:t>Engenharia de Software?</a:t>
+            </a:r>
+          </a:p>
+        </p:txBody>
+      </p:sp>
+      <p:sp>
+        <p:nvSpPr>
+          <p:cNvPr id="125" name="Shape 125"/>
+          <p:cNvSpPr txBox="1"/>
           <p:nvPr/>
-        </p:nvPicPr>
-        <p:blipFill>
-          <a:blip r:embed="rId3">
-            <a:alphaModFix/>
-          </a:blip>
-          <a:stretch>
-            <a:fillRect/>
-          </a:stretch>
-        </p:blipFill>
-        <p:spPr>
-          <a:xfrm>
-            <a:off x="1562961" y="164525"/>
-            <a:ext cx="6018075" cy="4814449"/>
+        </p:nvSpPr>
+        <p:spPr>
+          <a:xfrm>
+            <a:off x="346000" y="1341000"/>
+            <a:ext cx="8520600" cy="3375000"/>
           </a:xfrm>
           <a:prstGeom prst="rect">
             <a:avLst/>
@@ -6372,7 +6568,38 @@
             <a:noFill/>
           </a:ln>
         </p:spPr>
-      </p:pic>
+        <p:txBody>
+          <a:bodyPr anchorCtr="0" anchor="ctr" bIns="91425" lIns="91425" rIns="91425" tIns="91425">
+            <a:noAutofit/>
+          </a:bodyPr>
+          <a:lstStyle/>
+          <a:p>
+            <a:pPr lvl="0" rtl="0" algn="just">
+              <a:lnSpc>
+                <a:spcPct val="115000"/>
+              </a:lnSpc>
+              <a:spcBef>
+                <a:spcPts val="600"/>
+              </a:spcBef>
+              <a:spcAft>
+                <a:spcPts val="600"/>
+              </a:spcAft>
+              <a:buNone/>
+            </a:pPr>
+            <a:r>
+              <a:rPr i="1" lang="en" sz="3000">
+                <a:solidFill>
+                  <a:srgbClr val="252525"/>
+                </a:solidFill>
+                <a:highlight>
+                  <a:srgbClr val="FFFFFF"/>
+                </a:highlight>
+              </a:rPr>
+              <a:t>Existem diversos conceitos e boas práticas na engenharia de software, mas, uma das mais importantes é o principio de Single-Purpose, ou seja,</a:t>
+            </a:r>
+          </a:p>
+        </p:txBody>
+      </p:sp>
     </p:spTree>
   </p:cSld>
   <p:clrMapOvr>
@@ -6386,7 +6613,7 @@
   <p:cSld>
     <p:spTree>
       <p:nvGrpSpPr>
-        <p:cNvPr id="128" name="Shape 128"/>
+        <p:cNvPr id="129" name="Shape 129"/>
         <p:cNvGrpSpPr/>
         <p:nvPr/>
       </p:nvGrpSpPr>
@@ -6398,16 +6625,24 @@
           <a:chExt cx="0" cy="0"/>
         </a:xfrm>
       </p:grpSpPr>
-      <p:sp>
-        <p:nvSpPr>
-          <p:cNvPr id="129" name="Shape 129"/>
-          <p:cNvSpPr txBox="1"/>
+      <p:pic>
+        <p:nvPicPr>
+          <p:cNvPr descr="SingleResponsibilityPrinciple2_71060858.jpg" id="130" name="Shape 130"/>
+          <p:cNvPicPr preferRelativeResize="0"/>
           <p:nvPr/>
-        </p:nvSpPr>
-        <p:spPr>
-          <a:xfrm>
-            <a:off x="367625" y="749825"/>
-            <a:ext cx="8520600" cy="3435000"/>
+        </p:nvPicPr>
+        <p:blipFill>
+          <a:blip r:embed="rId3">
+            <a:alphaModFix/>
+          </a:blip>
+          <a:stretch>
+            <a:fillRect/>
+          </a:stretch>
+        </p:blipFill>
+        <p:spPr>
+          <a:xfrm>
+            <a:off x="1562961" y="164525"/>
+            <a:ext cx="6018075" cy="4814449"/>
           </a:xfrm>
           <a:prstGeom prst="rect">
             <a:avLst/>
@@ -6417,38 +6652,7 @@
             <a:noFill/>
           </a:ln>
         </p:spPr>
-        <p:txBody>
-          <a:bodyPr anchorCtr="0" anchor="ctr" bIns="91425" lIns="91425" rIns="91425" tIns="91425">
-            <a:noAutofit/>
-          </a:bodyPr>
-          <a:lstStyle/>
-          <a:p>
-            <a:pPr lvl="0" rtl="0" algn="just">
-              <a:lnSpc>
-                <a:spcPct val="115000"/>
-              </a:lnSpc>
-              <a:spcBef>
-                <a:spcPts val="600"/>
-              </a:spcBef>
-              <a:spcAft>
-                <a:spcPts val="600"/>
-              </a:spcAft>
-              <a:buNone/>
-            </a:pPr>
-            <a:r>
-              <a:rPr i="1" lang="en" sz="3600">
-                <a:solidFill>
-                  <a:srgbClr val="252525"/>
-                </a:solidFill>
-                <a:highlight>
-                  <a:srgbClr val="FFFFFF"/>
-                </a:highlight>
-              </a:rPr>
-              <a:t>Cada Artefato de codigo, podendo ser: Consulta, Programa, Módulo, Arquivo, deve ter apenas um e apenas um proposito e uso</a:t>
-            </a:r>
-          </a:p>
-        </p:txBody>
-      </p:sp>
+      </p:pic>
     </p:spTree>
   </p:cSld>
   <p:clrMapOvr>
@@ -6462,7 +6666,7 @@
   <p:cSld>
     <p:spTree>
       <p:nvGrpSpPr>
-        <p:cNvPr id="133" name="Shape 133"/>
+        <p:cNvPr id="134" name="Shape 134"/>
         <p:cNvGrpSpPr/>
         <p:nvPr/>
       </p:nvGrpSpPr>
@@ -6476,14 +6680,14 @@
       </p:grpSpPr>
       <p:sp>
         <p:nvSpPr>
-          <p:cNvPr id="134" name="Shape 134"/>
+          <p:cNvPr id="135" name="Shape 135"/>
           <p:cNvSpPr txBox="1"/>
           <p:nvPr/>
         </p:nvSpPr>
         <p:spPr>
           <a:xfrm>
-            <a:off x="346000" y="636125"/>
-            <a:ext cx="8520600" cy="4080000"/>
+            <a:off x="367625" y="749825"/>
+            <a:ext cx="8520600" cy="3435000"/>
           </a:xfrm>
           <a:prstGeom prst="rect">
             <a:avLst/>
@@ -6520,32 +6724,7 @@
                   <a:srgbClr val="FFFFFF"/>
                 </a:highlight>
               </a:rPr>
-              <a:t>Ou seja, cada consulta SQL deve retornar apenas os dados sobre apenas um aspecto da realidade fotografada no Banco de Dados, ou seja:</a:t>
-            </a:r>
-          </a:p>
-          <a:p>
-            <a:pPr lvl="0" rtl="0" algn="ctr">
-              <a:lnSpc>
-                <a:spcPct val="115000"/>
-              </a:lnSpc>
-              <a:spcBef>
-                <a:spcPts val="600"/>
-              </a:spcBef>
-              <a:spcAft>
-                <a:spcPts val="600"/>
-              </a:spcAft>
-              <a:buNone/>
-            </a:pPr>
-            <a:r>
-              <a:rPr b="1" i="1" lang="en" sz="3600">
-                <a:solidFill>
-                  <a:srgbClr val="252525"/>
-                </a:solidFill>
-                <a:highlight>
-                  <a:srgbClr val="FFFFFF"/>
-                </a:highlight>
-              </a:rPr>
-              <a:t>Acionamentos OU Pagamentos OU Cliente OU Mailing OU Valor Aberto</a:t>
+              <a:t>Cada Artefato de codigo, podendo ser: Consulta, Programa, Módulo, Arquivo, deve ter apenas um e apenas um proposito e uso</a:t>
             </a:r>
           </a:p>
         </p:txBody>
@@ -6563,7 +6742,7 @@
   <p:cSld>
     <p:spTree>
       <p:nvGrpSpPr>
-        <p:cNvPr id="138" name="Shape 138"/>
+        <p:cNvPr id="139" name="Shape 139"/>
         <p:cNvGrpSpPr/>
         <p:nvPr/>
       </p:nvGrpSpPr>
@@ -6577,50 +6756,14 @@
       </p:grpSpPr>
       <p:sp>
         <p:nvSpPr>
-          <p:cNvPr id="139" name="Shape 139"/>
-          <p:cNvSpPr txBox="1"/>
-          <p:nvPr>
-            <p:ph type="ctrTitle"/>
-          </p:nvPr>
-        </p:nvSpPr>
-        <p:spPr>
-          <a:xfrm>
-            <a:off x="311700" y="155275"/>
-            <a:ext cx="8520600" cy="768600"/>
-          </a:xfrm>
-          <a:prstGeom prst="rect">
-            <a:avLst/>
-          </a:prstGeom>
-        </p:spPr>
-        <p:txBody>
-          <a:bodyPr anchorCtr="0" anchor="b" bIns="91425" lIns="91425" rIns="91425" tIns="91425">
-            <a:noAutofit/>
-          </a:bodyPr>
-          <a:lstStyle/>
-          <a:p>
-            <a:pPr lvl="0" rtl="0">
-              <a:spcBef>
-                <a:spcPts val="0"/>
-              </a:spcBef>
-              <a:buNone/>
-            </a:pPr>
-            <a:r>
-              <a:rPr lang="en" sz="3600"/>
-              <a:t>Tabelas Fato e Dimensão</a:t>
-            </a:r>
-          </a:p>
-        </p:txBody>
-      </p:sp>
-      <p:sp>
-        <p:nvSpPr>
           <p:cNvPr id="140" name="Shape 140"/>
           <p:cNvSpPr txBox="1"/>
           <p:nvPr/>
         </p:nvSpPr>
         <p:spPr>
           <a:xfrm>
-            <a:off x="311700" y="884250"/>
-            <a:ext cx="8520600" cy="3866100"/>
+            <a:off x="346000" y="636125"/>
+            <a:ext cx="8520600" cy="4080000"/>
           </a:xfrm>
           <a:prstGeom prst="rect">
             <a:avLst/>
@@ -6636,7 +6779,7 @@
           </a:bodyPr>
           <a:lstStyle/>
           <a:p>
-            <a:pPr lvl="0" rtl="0">
+            <a:pPr lvl="0" rtl="0" algn="just">
               <a:lnSpc>
                 <a:spcPct val="115000"/>
               </a:lnSpc>
@@ -6649,7 +6792,7 @@
               <a:buNone/>
             </a:pPr>
             <a:r>
-              <a:rPr lang="en" sz="2400">
+              <a:rPr i="1" lang="en" sz="3600">
                 <a:solidFill>
                   <a:srgbClr val="252525"/>
                 </a:solidFill>
@@ -6657,11 +6800,11 @@
                   <a:srgbClr val="FFFFFF"/>
                 </a:highlight>
               </a:rPr>
-              <a:t>Basicamente, as tabelas de um banco de dados se dividem em 2 categorias:</a:t>
-            </a:r>
-          </a:p>
-          <a:p>
-            <a:pPr indent="-381000" lvl="0" marL="457200" rtl="0" algn="just">
+              <a:t>Ou seja, cada consulta SQL deve retornar apenas os dados sobre apenas um aspecto da realidade fotografada no Banco de Dados, ou seja:</a:t>
+            </a:r>
+          </a:p>
+          <a:p>
+            <a:pPr lvl="0" rtl="0" algn="ctr">
               <a:lnSpc>
                 <a:spcPct val="115000"/>
               </a:lnSpc>
@@ -6671,14 +6814,10 @@
               <a:spcAft>
                 <a:spcPts val="600"/>
               </a:spcAft>
-              <a:buClr>
-                <a:srgbClr val="252525"/>
-              </a:buClr>
-              <a:buSzPct val="100000"/>
-              <a:buChar char="●"/>
-            </a:pPr>
-            <a:r>
-              <a:rPr b="1" lang="en" sz="2400">
+              <a:buNone/>
+            </a:pPr>
+            <a:r>
+              <a:rPr b="1" i="1" lang="en" sz="3600">
                 <a:solidFill>
                   <a:srgbClr val="252525"/>
                 </a:solidFill>
@@ -6686,58 +6825,7 @@
                   <a:srgbClr val="FFFFFF"/>
                 </a:highlight>
               </a:rPr>
-              <a:t>Tabelas Fato</a:t>
-            </a:r>
-            <a:r>
-              <a:rPr lang="en" sz="2400">
-                <a:solidFill>
-                  <a:srgbClr val="252525"/>
-                </a:solidFill>
-                <a:highlight>
-                  <a:srgbClr val="FFFFFF"/>
-                </a:highlight>
-              </a:rPr>
-              <a:t>: Elas contém os dados que realmente aconteceram e que são a realidade do banco de dados como: Clientes, Pagamentos, Acionamentos</a:t>
-            </a:r>
-          </a:p>
-          <a:p>
-            <a:pPr indent="-381000" lvl="0" marL="457200" rtl="0" algn="just">
-              <a:lnSpc>
-                <a:spcPct val="115000"/>
-              </a:lnSpc>
-              <a:spcBef>
-                <a:spcPts val="600"/>
-              </a:spcBef>
-              <a:spcAft>
-                <a:spcPts val="600"/>
-              </a:spcAft>
-              <a:buClr>
-                <a:srgbClr val="252525"/>
-              </a:buClr>
-              <a:buSzPct val="100000"/>
-              <a:buChar char="●"/>
-            </a:pPr>
-            <a:r>
-              <a:rPr b="1" lang="en" sz="2400">
-                <a:solidFill>
-                  <a:srgbClr val="252525"/>
-                </a:solidFill>
-                <a:highlight>
-                  <a:srgbClr val="FFFFFF"/>
-                </a:highlight>
-              </a:rPr>
-              <a:t>Tabelas Dimensão</a:t>
-            </a:r>
-            <a:r>
-              <a:rPr lang="en" sz="2400">
-                <a:solidFill>
-                  <a:srgbClr val="252525"/>
-                </a:solidFill>
-                <a:highlight>
-                  <a:srgbClr val="FFFFFF"/>
-                </a:highlight>
-              </a:rPr>
-              <a:t>: Elas contém as propriedades dos fatos, e são relacionadas a elas, como: Status_Pagamento, Convenios, Células, Tipos_Resultados. São as caracteristicas do fat.</a:t>
+              <a:t>Acionamentos OU Pagamentos OU Cliente OU Mailing OU Valor Aberto</a:t>
             </a:r>
           </a:p>
         </p:txBody>
@@ -6798,7 +6886,7 @@
             </a:pPr>
             <a:r>
               <a:rPr lang="en" sz="3600"/>
-              <a:t>Então…...</a:t>
+              <a:t>Tabelas Fato e Dimensão</a:t>
             </a:r>
           </a:p>
         </p:txBody>
@@ -6811,8 +6899,8 @@
         </p:nvSpPr>
         <p:spPr>
           <a:xfrm>
-            <a:off x="5552450" y="884250"/>
-            <a:ext cx="3484200" cy="3986400"/>
+            <a:off x="311700" y="884250"/>
+            <a:ext cx="8520600" cy="3866100"/>
           </a:xfrm>
           <a:prstGeom prst="rect">
             <a:avLst/>
@@ -6828,7 +6916,7 @@
           </a:bodyPr>
           <a:lstStyle/>
           <a:p>
-            <a:pPr lvl="0" rtl="0" algn="just">
+            <a:pPr lvl="0" rtl="0">
               <a:lnSpc>
                 <a:spcPct val="115000"/>
               </a:lnSpc>
@@ -6841,7 +6929,7 @@
               <a:buNone/>
             </a:pPr>
             <a:r>
-              <a:rPr lang="en" sz="2200">
+              <a:rPr lang="en" sz="2400">
                 <a:solidFill>
                   <a:srgbClr val="252525"/>
                 </a:solidFill>
@@ -6849,39 +6937,91 @@
                   <a:srgbClr val="FFFFFF"/>
                 </a:highlight>
               </a:rPr>
-              <a:t>Temos que ter apenas uma consulta por tabela Fato, as tabelas fatos geralmente formam um esquema chamado de estrela, porque elas geralmente são centrais a uma série de pequenas tabelas relacionadas...</a:t>
+              <a:t>Basicamente, as tabelas de um banco de dados se dividem em 2 categorias:</a:t>
+            </a:r>
+          </a:p>
+          <a:p>
+            <a:pPr indent="-381000" lvl="0" marL="457200" rtl="0" algn="just">
+              <a:lnSpc>
+                <a:spcPct val="115000"/>
+              </a:lnSpc>
+              <a:spcBef>
+                <a:spcPts val="600"/>
+              </a:spcBef>
+              <a:spcAft>
+                <a:spcPts val="600"/>
+              </a:spcAft>
+              <a:buClr>
+                <a:srgbClr val="252525"/>
+              </a:buClr>
+              <a:buSzPct val="100000"/>
+              <a:buChar char="●"/>
+            </a:pPr>
+            <a:r>
+              <a:rPr b="1" lang="en" sz="2400">
+                <a:solidFill>
+                  <a:srgbClr val="252525"/>
+                </a:solidFill>
+                <a:highlight>
+                  <a:srgbClr val="FFFFFF"/>
+                </a:highlight>
+              </a:rPr>
+              <a:t>Tabelas Fato</a:t>
+            </a:r>
+            <a:r>
+              <a:rPr lang="en" sz="2400">
+                <a:solidFill>
+                  <a:srgbClr val="252525"/>
+                </a:solidFill>
+                <a:highlight>
+                  <a:srgbClr val="FFFFFF"/>
+                </a:highlight>
+              </a:rPr>
+              <a:t>: Elas contém os dados que realmente aconteceram e que são a realidade do banco de dados como: Clientes, Pagamentos, Acionamentos</a:t>
+            </a:r>
+          </a:p>
+          <a:p>
+            <a:pPr indent="-381000" lvl="0" marL="457200" rtl="0" algn="just">
+              <a:lnSpc>
+                <a:spcPct val="115000"/>
+              </a:lnSpc>
+              <a:spcBef>
+                <a:spcPts val="600"/>
+              </a:spcBef>
+              <a:spcAft>
+                <a:spcPts val="600"/>
+              </a:spcAft>
+              <a:buClr>
+                <a:srgbClr val="252525"/>
+              </a:buClr>
+              <a:buSzPct val="100000"/>
+              <a:buChar char="●"/>
+            </a:pPr>
+            <a:r>
+              <a:rPr b="1" lang="en" sz="2400">
+                <a:solidFill>
+                  <a:srgbClr val="252525"/>
+                </a:solidFill>
+                <a:highlight>
+                  <a:srgbClr val="FFFFFF"/>
+                </a:highlight>
+              </a:rPr>
+              <a:t>Tabelas Dimensão</a:t>
+            </a:r>
+            <a:r>
+              <a:rPr lang="en" sz="2400">
+                <a:solidFill>
+                  <a:srgbClr val="252525"/>
+                </a:solidFill>
+                <a:highlight>
+                  <a:srgbClr val="FFFFFF"/>
+                </a:highlight>
+              </a:rPr>
+              <a:t>: Elas contém as propriedades dos fatos, e são relacionadas a elas, como: Status_Pagamento, Convenios, Células, Tipos_Resultados. São as caracteristicas do fat.</a:t>
             </a:r>
           </a:p>
         </p:txBody>
       </p:sp>
-      <p:pic>
-        <p:nvPicPr>
-          <p:cNvPr descr="process_profile.jpg" id="147" name="Shape 147"/>
-          <p:cNvPicPr preferRelativeResize="0"/>
-          <p:nvPr/>
-        </p:nvPicPr>
-        <p:blipFill>
-          <a:blip r:embed="rId3">
-            <a:alphaModFix/>
-          </a:blip>
-          <a:stretch>
-            <a:fillRect/>
-          </a:stretch>
-        </p:blipFill>
-        <p:spPr>
-          <a:xfrm>
-            <a:off x="311702" y="884250"/>
-            <a:ext cx="4942847" cy="4219624"/>
-          </a:xfrm>
-          <a:prstGeom prst="rect">
-            <a:avLst/>
-          </a:prstGeom>
-          <a:noFill/>
-          <a:ln>
-            <a:noFill/>
-          </a:ln>
-        </p:spPr>
-      </p:pic>
     </p:spTree>
   </p:cSld>
   <p:clrMapOvr>
@@ -6895,7 +7035,7 @@
   <p:cSld>
     <p:spTree>
       <p:nvGrpSpPr>
-        <p:cNvPr id="151" name="Shape 151"/>
+        <p:cNvPr id="150" name="Shape 150"/>
         <p:cNvGrpSpPr/>
         <p:nvPr/>
       </p:nvGrpSpPr>
@@ -6909,14 +7049,50 @@
       </p:grpSpPr>
       <p:sp>
         <p:nvSpPr>
+          <p:cNvPr id="151" name="Shape 151"/>
+          <p:cNvSpPr txBox="1"/>
+          <p:nvPr>
+            <p:ph type="ctrTitle"/>
+          </p:nvPr>
+        </p:nvSpPr>
+        <p:spPr>
+          <a:xfrm>
+            <a:off x="311700" y="155275"/>
+            <a:ext cx="8520600" cy="768600"/>
+          </a:xfrm>
+          <a:prstGeom prst="rect">
+            <a:avLst/>
+          </a:prstGeom>
+        </p:spPr>
+        <p:txBody>
+          <a:bodyPr anchorCtr="0" anchor="b" bIns="91425" lIns="91425" rIns="91425" tIns="91425">
+            <a:noAutofit/>
+          </a:bodyPr>
+          <a:lstStyle/>
+          <a:p>
+            <a:pPr lvl="0" rtl="0">
+              <a:spcBef>
+                <a:spcPts val="0"/>
+              </a:spcBef>
+              <a:buNone/>
+            </a:pPr>
+            <a:r>
+              <a:rPr lang="en" sz="3600"/>
+              <a:t>Então…...</a:t>
+            </a:r>
+          </a:p>
+        </p:txBody>
+      </p:sp>
+      <p:sp>
+        <p:nvSpPr>
           <p:cNvPr id="152" name="Shape 152"/>
           <p:cNvSpPr txBox="1"/>
           <p:nvPr/>
         </p:nvSpPr>
         <p:spPr>
           <a:xfrm>
-            <a:off x="346000" y="636125"/>
-            <a:ext cx="8520600" cy="4080000"/>
+            <a:off x="5552450" y="884250"/>
+            <a:ext cx="3484200" cy="3986400"/>
           </a:xfrm>
           <a:prstGeom prst="rect">
             <a:avLst/>
@@ -6932,7 +7108,7 @@
           </a:bodyPr>
           <a:lstStyle/>
           <a:p>
-            <a:pPr lvl="0" rtl="0">
+            <a:pPr lvl="0" rtl="0" algn="just">
               <a:lnSpc>
                 <a:spcPct val="115000"/>
               </a:lnSpc>
@@ -6945,7 +7121,7 @@
               <a:buNone/>
             </a:pPr>
             <a:r>
-              <a:rPr lang="en" sz="3600">
+              <a:rPr lang="en" sz="2200">
                 <a:solidFill>
                   <a:srgbClr val="252525"/>
                 </a:solidFill>
@@ -6953,36 +7129,39 @@
                   <a:srgbClr val="FFFFFF"/>
                 </a:highlight>
               </a:rPr>
-              <a:t>Ou seja, cada consulta SQL deve retornar apenas os dados sobre apenas um aspecto da realidade fotografada no Banco de Dados, ou seja:</a:t>
-            </a:r>
-          </a:p>
-          <a:p>
-            <a:pPr lvl="0" rtl="0" algn="ctr">
-              <a:lnSpc>
-                <a:spcPct val="115000"/>
-              </a:lnSpc>
-              <a:spcBef>
-                <a:spcPts val="600"/>
-              </a:spcBef>
-              <a:spcAft>
-                <a:spcPts val="600"/>
-              </a:spcAft>
-              <a:buNone/>
-            </a:pPr>
-            <a:r>
-              <a:rPr b="1" lang="en" sz="3600">
-                <a:solidFill>
-                  <a:srgbClr val="252525"/>
-                </a:solidFill>
-                <a:highlight>
-                  <a:srgbClr val="FFFFFF"/>
-                </a:highlight>
-              </a:rPr>
-              <a:t>Acionamentos OU Pagamentos OU Cliente OU Mailing OU Valor Aberto</a:t>
+              <a:t>Temos que ter apenas uma consulta por tabela Fato, as tabelas fatos geralmente formam um esquema chamado de estrela, porque elas geralmente são centrais a uma série de pequenas tabelas relacionadas...</a:t>
             </a:r>
           </a:p>
         </p:txBody>
       </p:sp>
+      <p:pic>
+        <p:nvPicPr>
+          <p:cNvPr descr="process_profile.jpg" id="153" name="Shape 153"/>
+          <p:cNvPicPr preferRelativeResize="0"/>
+          <p:nvPr/>
+        </p:nvPicPr>
+        <p:blipFill>
+          <a:blip r:embed="rId3">
+            <a:alphaModFix/>
+          </a:blip>
+          <a:stretch>
+            <a:fillRect/>
+          </a:stretch>
+        </p:blipFill>
+        <p:spPr>
+          <a:xfrm>
+            <a:off x="311702" y="884250"/>
+            <a:ext cx="4942847" cy="4219624"/>
+          </a:xfrm>
+          <a:prstGeom prst="rect">
+            <a:avLst/>
+          </a:prstGeom>
+          <a:noFill/>
+          <a:ln>
+            <a:noFill/>
+          </a:ln>
+        </p:spPr>
+      </p:pic>
     </p:spTree>
   </p:cSld>
   <p:clrMapOvr>
@@ -6996,7 +7175,7 @@
   <p:cSld>
     <p:spTree>
       <p:nvGrpSpPr>
-        <p:cNvPr id="156" name="Shape 156"/>
+        <p:cNvPr id="157" name="Shape 157"/>
         <p:cNvGrpSpPr/>
         <p:nvPr/>
       </p:nvGrpSpPr>
@@ -7010,50 +7189,14 @@
       </p:grpSpPr>
       <p:sp>
         <p:nvSpPr>
-          <p:cNvPr id="157" name="Shape 157"/>
-          <p:cNvSpPr txBox="1"/>
-          <p:nvPr>
-            <p:ph type="ctrTitle"/>
-          </p:nvPr>
-        </p:nvSpPr>
-        <p:spPr>
-          <a:xfrm>
-            <a:off x="311700" y="155275"/>
-            <a:ext cx="8520600" cy="768600"/>
-          </a:xfrm>
-          <a:prstGeom prst="rect">
-            <a:avLst/>
-          </a:prstGeom>
-        </p:spPr>
-        <p:txBody>
-          <a:bodyPr anchorCtr="0" anchor="b" bIns="91425" lIns="91425" rIns="91425" tIns="91425">
-            <a:noAutofit/>
-          </a:bodyPr>
-          <a:lstStyle/>
-          <a:p>
-            <a:pPr lvl="0" rtl="0">
-              <a:spcBef>
-                <a:spcPts val="0"/>
-              </a:spcBef>
-              <a:buNone/>
-            </a:pPr>
-            <a:r>
-              <a:rPr lang="en" sz="3600"/>
-              <a:t>Mas, na prática….</a:t>
-            </a:r>
-          </a:p>
-        </p:txBody>
-      </p:sp>
-      <p:sp>
-        <p:nvSpPr>
           <p:cNvPr id="158" name="Shape 158"/>
           <p:cNvSpPr txBox="1"/>
           <p:nvPr/>
         </p:nvSpPr>
         <p:spPr>
           <a:xfrm>
-            <a:off x="311700" y="923875"/>
-            <a:ext cx="8520600" cy="3938100"/>
+            <a:off x="346000" y="636125"/>
+            <a:ext cx="8520600" cy="4080000"/>
           </a:xfrm>
           <a:prstGeom prst="rect">
             <a:avLst/>
@@ -7082,7 +7225,7 @@
               <a:buNone/>
             </a:pPr>
             <a:r>
-              <a:rPr lang="en" sz="1800">
+              <a:rPr lang="en" sz="3600">
                 <a:solidFill>
                   <a:srgbClr val="252525"/>
                 </a:solidFill>
@@ -7090,11 +7233,11 @@
                   <a:srgbClr val="FFFFFF"/>
                 </a:highlight>
               </a:rPr>
-              <a:t>Significa que:</a:t>
-            </a:r>
-          </a:p>
-          <a:p>
-            <a:pPr indent="-342900" lvl="0" marL="457200" rtl="0">
+              <a:t>Ou seja, cada consulta SQL deve retornar apenas os dados sobre apenas um aspecto da realidade fotografada no Banco de Dados, ou seja:</a:t>
+            </a:r>
+          </a:p>
+          <a:p>
+            <a:pPr lvl="0" rtl="0" algn="ctr">
               <a:lnSpc>
                 <a:spcPct val="115000"/>
               </a:lnSpc>
@@ -7104,14 +7247,10 @@
               <a:spcAft>
                 <a:spcPts val="600"/>
               </a:spcAft>
-              <a:buClr>
-                <a:srgbClr val="252525"/>
-              </a:buClr>
-              <a:buSzPct val="100000"/>
-              <a:buChar char="●"/>
-            </a:pPr>
-            <a:r>
-              <a:rPr lang="en" sz="1800">
+              <a:buNone/>
+            </a:pPr>
+            <a:r>
+              <a:rPr b="1" lang="en" sz="3600">
                 <a:solidFill>
                   <a:srgbClr val="252525"/>
                 </a:solidFill>
@@ -7119,134 +7258,7 @@
                   <a:srgbClr val="FFFFFF"/>
                 </a:highlight>
               </a:rPr>
-              <a:t>Temos que ter apenas uma tabela fato por consulta</a:t>
-            </a:r>
-          </a:p>
-          <a:p>
-            <a:pPr indent="-342900" lvl="0" marL="457200" rtl="0">
-              <a:lnSpc>
-                <a:spcPct val="115000"/>
-              </a:lnSpc>
-              <a:spcBef>
-                <a:spcPts val="600"/>
-              </a:spcBef>
-              <a:spcAft>
-                <a:spcPts val="600"/>
-              </a:spcAft>
-              <a:buClr>
-                <a:srgbClr val="252525"/>
-              </a:buClr>
-              <a:buSzPct val="100000"/>
-              <a:buChar char="●"/>
-            </a:pPr>
-            <a:r>
-              <a:rPr lang="en" sz="1800">
-                <a:solidFill>
-                  <a:srgbClr val="252525"/>
-                </a:solidFill>
-                <a:highlight>
-                  <a:srgbClr val="FFFFFF"/>
-                </a:highlight>
-              </a:rPr>
-              <a:t>Mas, algumas tabela fato são compostas de mais de uma tabela, por exemplo: Acordo e Parcela são duas tabelas</a:t>
-            </a:r>
-          </a:p>
-          <a:p>
-            <a:pPr indent="-342900" lvl="1" marL="914400" rtl="0">
-              <a:lnSpc>
-                <a:spcPct val="115000"/>
-              </a:lnSpc>
-              <a:spcBef>
-                <a:spcPts val="600"/>
-              </a:spcBef>
-              <a:spcAft>
-                <a:spcPts val="600"/>
-              </a:spcAft>
-              <a:buClr>
-                <a:srgbClr val="252525"/>
-              </a:buClr>
-              <a:buSzPct val="100000"/>
-              <a:buChar char="○"/>
-            </a:pPr>
-            <a:r>
-              <a:rPr lang="en" sz="1800">
-                <a:solidFill>
-                  <a:srgbClr val="252525"/>
-                </a:solidFill>
-                <a:highlight>
-                  <a:srgbClr val="FFFFFF"/>
-                </a:highlight>
-              </a:rPr>
-              <a:t>Nesse caso, eu sugiro ter dados duplicados entre as tabelas para facilitar a consulta </a:t>
-            </a:r>
-            <a:r>
-              <a:rPr b="1" lang="en" sz="1800">
-                <a:solidFill>
-                  <a:srgbClr val="252525"/>
-                </a:solidFill>
-                <a:highlight>
-                  <a:srgbClr val="FFFFFF"/>
-                </a:highlight>
-              </a:rPr>
-              <a:t>(Se performance nessa tabela for critica).</a:t>
-            </a:r>
-          </a:p>
-          <a:p>
-            <a:pPr indent="-342900" lvl="0" marL="457200" rtl="0">
-              <a:lnSpc>
-                <a:spcPct val="115000"/>
-              </a:lnSpc>
-              <a:spcBef>
-                <a:spcPts val="600"/>
-              </a:spcBef>
-              <a:spcAft>
-                <a:spcPts val="600"/>
-              </a:spcAft>
-              <a:buClr>
-                <a:srgbClr val="252525"/>
-              </a:buClr>
-              <a:buSzPct val="100000"/>
-              <a:buChar char="●"/>
-            </a:pPr>
-            <a:r>
-              <a:rPr lang="en" sz="1800">
-                <a:solidFill>
-                  <a:srgbClr val="252525"/>
-                </a:solidFill>
-                <a:highlight>
-                  <a:srgbClr val="FFFFFF"/>
-                </a:highlight>
-              </a:rPr>
-              <a:t>Em todas as oportunidades em que possamos restringir a consulta (clausula where) na tabela fato, devemos ter um índice.</a:t>
-            </a:r>
-          </a:p>
-          <a:p>
-            <a:pPr indent="-342900" lvl="0" marL="457200" rtl="0">
-              <a:lnSpc>
-                <a:spcPct val="115000"/>
-              </a:lnSpc>
-              <a:spcBef>
-                <a:spcPts val="600"/>
-              </a:spcBef>
-              <a:spcAft>
-                <a:spcPts val="600"/>
-              </a:spcAft>
-              <a:buClr>
-                <a:srgbClr val="252525"/>
-              </a:buClr>
-              <a:buSzPct val="100000"/>
-              <a:buChar char="●"/>
-            </a:pPr>
-            <a:r>
-              <a:rPr lang="en" sz="1800">
-                <a:solidFill>
-                  <a:srgbClr val="252525"/>
-                </a:solidFill>
-                <a:highlight>
-                  <a:srgbClr val="FFFFFF"/>
-                </a:highlight>
-              </a:rPr>
-              <a:t>Os dados das tabelas de dimensões que precisamos, nós fazemos depois da consulta principal da tabela fato rodar, pois ai o produto cartesiano é bem menor.</a:t>
+              <a:t>Acionamentos OU Pagamentos OU Cliente OU Mailing OU Valor Aberto</a:t>
             </a:r>
           </a:p>
         </p:txBody>
@@ -7352,17 +7364,17 @@
             <a:r>
               <a:rPr lang="en" sz="1800">
                 <a:solidFill>
-                  <a:srgbClr val="6AA84F"/>
+                  <a:srgbClr val="252525"/>
                 </a:solidFill>
                 <a:highlight>
                   <a:srgbClr val="FFFFFF"/>
                 </a:highlight>
               </a:rPr>
-              <a:t>SELECT CONVENIOS.NOME, FATO.TOTAL_DIVIDA FROM</a:t>
-            </a:r>
-          </a:p>
-          <a:p>
-            <a:pPr indent="0" lvl="0" marL="0" marR="0" rtl="0" algn="l">
+              <a:t>Significa que:</a:t>
+            </a:r>
+          </a:p>
+          <a:p>
+            <a:pPr indent="-342900" lvl="0" marL="457200" rtl="0">
               <a:lnSpc>
                 <a:spcPct val="115000"/>
               </a:lnSpc>
@@ -7372,44 +7384,12 @@
               <a:spcAft>
                 <a:spcPts val="600"/>
               </a:spcAft>
-              <a:buNone/>
-            </a:pPr>
-            <a:r>
-              <a:rPr lang="en" sz="1800">
-                <a:solidFill>
-                  <a:srgbClr val="FF0000"/>
-                </a:solidFill>
-                <a:highlight>
-                  <a:srgbClr val="FFFFFF"/>
-                </a:highlight>
-              </a:rPr>
-              <a:t>(   SELECT COD_CONVENIO, SUM(CLIENTES.TOTAL_DIVIDA) </a:t>
-            </a:r>
-          </a:p>
-          <a:p>
-            <a:pPr indent="0" lvl="0" marL="0" marR="0" rtl="0" algn="l">
-              <a:lnSpc>
-                <a:spcPct val="115000"/>
-              </a:lnSpc>
-              <a:spcBef>
-                <a:spcPts val="600"/>
-              </a:spcBef>
-              <a:spcAft>
-                <a:spcPts val="600"/>
-              </a:spcAft>
-              <a:buNone/>
-            </a:pPr>
-            <a:r>
-              <a:rPr lang="en" sz="1800">
-                <a:solidFill>
-                  <a:srgbClr val="FF0000"/>
-                </a:solidFill>
-                <a:highlight>
-                  <a:srgbClr val="FFFFFF"/>
-                </a:highlight>
-              </a:rPr>
-              <a:t>     FROM CLIENTES) AS FATO</a:t>
-            </a:r>
+              <a:buClr>
+                <a:srgbClr val="252525"/>
+              </a:buClr>
+              <a:buSzPct val="100000"/>
+              <a:buChar char="●"/>
+            </a:pPr>
             <a:r>
               <a:rPr lang="en" sz="1800">
                 <a:solidFill>
@@ -7419,11 +7399,11 @@
                   <a:srgbClr val="FFFFFF"/>
                 </a:highlight>
               </a:rPr>
-              <a:t>, </a:t>
-            </a:r>
-          </a:p>
-          <a:p>
-            <a:pPr lvl="0" rtl="0">
+              <a:t>Temos que ter apenas uma tabela fato por consulta</a:t>
+            </a:r>
+          </a:p>
+          <a:p>
+            <a:pPr indent="-342900" lvl="0" marL="457200" rtl="0">
               <a:lnSpc>
                 <a:spcPct val="115000"/>
               </a:lnSpc>
@@ -7433,22 +7413,26 @@
               <a:spcAft>
                 <a:spcPts val="600"/>
               </a:spcAft>
-              <a:buNone/>
+              <a:buClr>
+                <a:srgbClr val="252525"/>
+              </a:buClr>
+              <a:buSzPct val="100000"/>
+              <a:buChar char="●"/>
             </a:pPr>
             <a:r>
               <a:rPr lang="en" sz="1800">
                 <a:solidFill>
-                  <a:srgbClr val="6AA84F"/>
+                  <a:srgbClr val="252525"/>
                 </a:solidFill>
                 <a:highlight>
                   <a:srgbClr val="FFFFFF"/>
                 </a:highlight>
               </a:rPr>
-              <a:t>CONVENIOS</a:t>
-            </a:r>
-          </a:p>
-          <a:p>
-            <a:pPr lvl="0" rtl="0">
+              <a:t>Mas, algumas tabela fato são compostas de mais de uma tabela, por exemplo: Acordo e Parcela são duas tabelas</a:t>
+            </a:r>
+          </a:p>
+          <a:p>
+            <a:pPr indent="-342900" lvl="1" marL="914400" rtl="0">
               <a:lnSpc>
                 <a:spcPct val="115000"/>
               </a:lnSpc>
@@ -7458,47 +7442,37 @@
               <a:spcAft>
                 <a:spcPts val="600"/>
               </a:spcAft>
-              <a:buNone/>
+              <a:buClr>
+                <a:srgbClr val="252525"/>
+              </a:buClr>
+              <a:buSzPct val="100000"/>
+              <a:buChar char="○"/>
             </a:pPr>
             <a:r>
               <a:rPr lang="en" sz="1800">
                 <a:solidFill>
-                  <a:srgbClr val="6AA84F"/>
+                  <a:srgbClr val="252525"/>
                 </a:solidFill>
                 <a:highlight>
                   <a:srgbClr val="FFFFFF"/>
                 </a:highlight>
               </a:rPr>
-              <a:t>WHERE </a:t>
-            </a:r>
-          </a:p>
-          <a:p>
-            <a:pPr lvl="0" rtl="0">
-              <a:lnSpc>
-                <a:spcPct val="115000"/>
-              </a:lnSpc>
-              <a:spcBef>
-                <a:spcPts val="600"/>
-              </a:spcBef>
-              <a:spcAft>
-                <a:spcPts val="600"/>
-              </a:spcAft>
-              <a:buNone/>
-            </a:pPr>
-            <a:r>
-              <a:rPr lang="en" sz="1800">
+              <a:t>Nesse caso, eu sugiro ter dados duplicados entre as tabelas para facilitar a consulta </a:t>
+            </a:r>
+            <a:r>
+              <a:rPr b="1" lang="en" sz="1800">
                 <a:solidFill>
-                  <a:srgbClr val="6AA84F"/>
+                  <a:srgbClr val="252525"/>
                 </a:solidFill>
                 <a:highlight>
                   <a:srgbClr val="FFFFFF"/>
                 </a:highlight>
               </a:rPr>
-              <a:t>CONVENIOS.COD_CONVENIO = FATO.COD_CONVENIO</a:t>
-            </a:r>
-          </a:p>
-          <a:p>
-            <a:pPr lvl="0" rtl="0">
+              <a:t>(Se performance nessa tabela for critica).</a:t>
+            </a:r>
+          </a:p>
+          <a:p>
+            <a:pPr indent="-342900" lvl="0" marL="457200" rtl="0">
               <a:lnSpc>
                 <a:spcPct val="115000"/>
               </a:lnSpc>
@@ -7508,22 +7482,26 @@
               <a:spcAft>
                 <a:spcPts val="600"/>
               </a:spcAft>
-              <a:buNone/>
+              <a:buClr>
+                <a:srgbClr val="252525"/>
+              </a:buClr>
+              <a:buSzPct val="100000"/>
+              <a:buChar char="●"/>
             </a:pPr>
             <a:r>
               <a:rPr lang="en" sz="1800">
                 <a:solidFill>
-                  <a:srgbClr val="6AA84F"/>
+                  <a:srgbClr val="252525"/>
                 </a:solidFill>
                 <a:highlight>
                   <a:srgbClr val="FFFFFF"/>
                 </a:highlight>
               </a:rPr>
-              <a:t>GROUP BY COD_CONVENIO</a:t>
-            </a:r>
-          </a:p>
-          <a:p>
-            <a:pPr lvl="0" rtl="0">
+              <a:t>Em todas as oportunidades em que possamos restringir a consulta (clausula where) na tabela fato, devemos ter um índice.</a:t>
+            </a:r>
+          </a:p>
+          <a:p>
+            <a:pPr indent="-342900" lvl="0" marL="457200" rtl="0">
               <a:lnSpc>
                 <a:spcPct val="115000"/>
               </a:lnSpc>
@@ -7533,48 +7511,22 @@
               <a:spcAft>
                 <a:spcPts val="600"/>
               </a:spcAft>
-              <a:buNone/>
+              <a:buClr>
+                <a:srgbClr val="252525"/>
+              </a:buClr>
+              <a:buSzPct val="100000"/>
+              <a:buChar char="●"/>
             </a:pPr>
             <a:r>
               <a:rPr lang="en" sz="1800">
                 <a:solidFill>
-                  <a:srgbClr val="6AA84F"/>
+                  <a:srgbClr val="252525"/>
                 </a:solidFill>
                 <a:highlight>
                   <a:srgbClr val="FFFFFF"/>
                 </a:highlight>
               </a:rPr>
-              <a:t>Produto Cartesiano = 10 registros</a:t>
-            </a:r>
-          </a:p>
-          <a:p>
-            <a:pPr lvl="0" rtl="0">
-              <a:lnSpc>
-                <a:spcPct val="115000"/>
-              </a:lnSpc>
-              <a:spcBef>
-                <a:spcPts val="600"/>
-              </a:spcBef>
-              <a:spcAft>
-                <a:spcPts val="600"/>
-              </a:spcAft>
-              <a:buClr>
-                <a:schemeClr val="dk1"/>
-              </a:buClr>
-              <a:buSzPct val="61111"/>
-              <a:buFont typeface="Arial"/>
-              <a:buNone/>
-            </a:pPr>
-            <a:r>
-              <a:rPr lang="en" sz="1800">
-                <a:solidFill>
-                  <a:srgbClr val="FF0000"/>
-                </a:solidFill>
-                <a:highlight>
-                  <a:srgbClr val="FFFFFF"/>
-                </a:highlight>
-              </a:rPr>
-              <a:t>Produto Cartesiano = 100000000 de registros</a:t>
+              <a:t>Os dados das tabelas de dimensões que precisamos, nós fazemos depois da consulta principal da tabela fato rodar, pois ai o produto cartesiano é bem menor.</a:t>
             </a:r>
           </a:p>
         </p:txBody>
@@ -7837,7 +7789,7 @@
         <p:spPr>
           <a:xfrm>
             <a:off x="311700" y="155275"/>
-            <a:ext cx="8520600" cy="543600"/>
+            <a:ext cx="8520600" cy="768600"/>
           </a:xfrm>
           <a:prstGeom prst="rect">
             <a:avLst/>
@@ -7856,30 +7808,22 @@
               <a:buNone/>
             </a:pPr>
             <a:r>
-              <a:rPr lang="en" sz="2400"/>
-              <a:t>Picotando o SQL como Alexandre o Grande (1)</a:t>
+              <a:rPr lang="en" sz="3600"/>
+              <a:t>Mas, na prática….</a:t>
             </a:r>
           </a:p>
         </p:txBody>
       </p:sp>
-      <p:pic>
-        <p:nvPicPr>
-          <p:cNvPr descr="cartesian_product.png" id="170" name="Shape 170"/>
-          <p:cNvPicPr preferRelativeResize="0"/>
+      <p:sp>
+        <p:nvSpPr>
+          <p:cNvPr id="170" name="Shape 170"/>
+          <p:cNvSpPr txBox="1"/>
           <p:nvPr/>
-        </p:nvPicPr>
-        <p:blipFill>
-          <a:blip r:embed="rId3">
-            <a:alphaModFix/>
-          </a:blip>
-          <a:stretch>
-            <a:fillRect/>
-          </a:stretch>
-        </p:blipFill>
-        <p:spPr>
-          <a:xfrm>
-            <a:off x="311698" y="698874"/>
-            <a:ext cx="4356527" cy="4444624"/>
+        </p:nvSpPr>
+        <p:spPr>
+          <a:xfrm>
+            <a:off x="311700" y="923875"/>
+            <a:ext cx="8520600" cy="3938100"/>
           </a:xfrm>
           <a:prstGeom prst="rect">
             <a:avLst/>
@@ -7889,89 +7833,250 @@
             <a:noFill/>
           </a:ln>
         </p:spPr>
-      </p:pic>
-      <p:sp>
-        <p:nvSpPr>
-          <p:cNvPr id="171" name="Shape 171"/>
-          <p:cNvSpPr txBox="1"/>
-          <p:nvPr/>
-        </p:nvSpPr>
-        <p:spPr>
-          <a:xfrm>
-            <a:off x="5013825" y="740650"/>
-            <a:ext cx="3818400" cy="4234800"/>
-          </a:xfrm>
-          <a:prstGeom prst="rect">
-            <a:avLst/>
-          </a:prstGeom>
-          <a:noFill/>
-          <a:ln>
-            <a:noFill/>
-          </a:ln>
-        </p:spPr>
         <p:txBody>
-          <a:bodyPr anchorCtr="0" anchor="t" bIns="91425" lIns="91425" rIns="91425" tIns="91425">
+          <a:bodyPr anchorCtr="0" anchor="ctr" bIns="91425" lIns="91425" rIns="91425" tIns="91425">
             <a:noAutofit/>
           </a:bodyPr>
           <a:lstStyle/>
           <a:p>
-            <a:pPr lvl="0" rtl="0" algn="just">
-              <a:spcBef>
-                <a:spcPts val="0"/>
-              </a:spcBef>
-              <a:buNone/>
-            </a:pPr>
-            <a:r>
-              <a:t/>
-            </a:r>
-            <a:endParaRPr sz="1800"/>
-          </a:p>
-          <a:p>
-            <a:pPr lvl="0" algn="just">
-              <a:spcBef>
-                <a:spcPts val="0"/>
-              </a:spcBef>
-              <a:buNone/>
-            </a:pPr>
-            <a:r>
-              <a:rPr lang="en" sz="1800"/>
-              <a:t>Pegamos a consulta grande do inicio do curso que tinha 450 linhas e picotamos elas em diversas views q contem os dados que precisamos fazer os produtos cartesianos.</a:t>
-            </a:r>
-          </a:p>
-          <a:p>
-            <a:pPr lvl="0" rtl="0" algn="just">
-              <a:spcBef>
-                <a:spcPts val="0"/>
-              </a:spcBef>
-              <a:buNone/>
-            </a:pPr>
-            <a:r>
-              <a:t/>
-            </a:r>
-            <a:endParaRPr sz="1800"/>
-          </a:p>
-          <a:p>
-            <a:pPr lvl="0" algn="just">
-              <a:spcBef>
-                <a:spcPts val="0"/>
-              </a:spcBef>
-              <a:buNone/>
-            </a:pPr>
-            <a:r>
-              <a:t/>
-            </a:r>
-            <a:endParaRPr sz="1800"/>
-          </a:p>
-          <a:p>
-            <a:pPr lvl="0" rtl="0" algn="just">
-              <a:spcBef>
-                <a:spcPts val="0"/>
-              </a:spcBef>
-              <a:buNone/>
-            </a:pPr>
-            <a:r>
-              <a:rPr lang="en" sz="1800"/>
-              <a:t>Dessa forma, podemos isolar os dados rodar as consultas individualmente para verificar os problemas de falta de indice e tal...</a:t>
+            <a:pPr lvl="0" rtl="0">
+              <a:lnSpc>
+                <a:spcPct val="115000"/>
+              </a:lnSpc>
+              <a:spcBef>
+                <a:spcPts val="600"/>
+              </a:spcBef>
+              <a:spcAft>
+                <a:spcPts val="600"/>
+              </a:spcAft>
+              <a:buNone/>
+            </a:pPr>
+            <a:r>
+              <a:rPr lang="en" sz="1800">
+                <a:solidFill>
+                  <a:srgbClr val="6AA84F"/>
+                </a:solidFill>
+                <a:highlight>
+                  <a:srgbClr val="FFFFFF"/>
+                </a:highlight>
+              </a:rPr>
+              <a:t>SELECT CONVENIOS.NOME, FATO.TOTAL_DIVIDA FROM</a:t>
+            </a:r>
+          </a:p>
+          <a:p>
+            <a:pPr indent="0" lvl="0" marL="0" marR="0" rtl="0" algn="l">
+              <a:lnSpc>
+                <a:spcPct val="115000"/>
+              </a:lnSpc>
+              <a:spcBef>
+                <a:spcPts val="600"/>
+              </a:spcBef>
+              <a:spcAft>
+                <a:spcPts val="600"/>
+              </a:spcAft>
+              <a:buNone/>
+            </a:pPr>
+            <a:r>
+              <a:rPr lang="en" sz="1800">
+                <a:solidFill>
+                  <a:srgbClr val="FF0000"/>
+                </a:solidFill>
+                <a:highlight>
+                  <a:srgbClr val="FFFFFF"/>
+                </a:highlight>
+              </a:rPr>
+              <a:t>(   SELECT COD_CONVENIO, SUM(CLIENTES.TOTAL_DIVIDA) </a:t>
+            </a:r>
+          </a:p>
+          <a:p>
+            <a:pPr indent="0" lvl="0" marL="0" marR="0" rtl="0" algn="l">
+              <a:lnSpc>
+                <a:spcPct val="115000"/>
+              </a:lnSpc>
+              <a:spcBef>
+                <a:spcPts val="600"/>
+              </a:spcBef>
+              <a:spcAft>
+                <a:spcPts val="600"/>
+              </a:spcAft>
+              <a:buNone/>
+            </a:pPr>
+            <a:r>
+              <a:rPr lang="en" sz="1800">
+                <a:solidFill>
+                  <a:srgbClr val="FF0000"/>
+                </a:solidFill>
+                <a:highlight>
+                  <a:srgbClr val="FFFFFF"/>
+                </a:highlight>
+              </a:rPr>
+              <a:t>     FROM CLIENTES) AS FATO</a:t>
+            </a:r>
+            <a:r>
+              <a:rPr lang="en" sz="1800">
+                <a:solidFill>
+                  <a:srgbClr val="252525"/>
+                </a:solidFill>
+                <a:highlight>
+                  <a:srgbClr val="FFFFFF"/>
+                </a:highlight>
+              </a:rPr>
+              <a:t>, </a:t>
+            </a:r>
+          </a:p>
+          <a:p>
+            <a:pPr lvl="0" rtl="0">
+              <a:lnSpc>
+                <a:spcPct val="115000"/>
+              </a:lnSpc>
+              <a:spcBef>
+                <a:spcPts val="600"/>
+              </a:spcBef>
+              <a:spcAft>
+                <a:spcPts val="600"/>
+              </a:spcAft>
+              <a:buNone/>
+            </a:pPr>
+            <a:r>
+              <a:rPr lang="en" sz="1800">
+                <a:solidFill>
+                  <a:srgbClr val="6AA84F"/>
+                </a:solidFill>
+                <a:highlight>
+                  <a:srgbClr val="FFFFFF"/>
+                </a:highlight>
+              </a:rPr>
+              <a:t>CONVENIOS</a:t>
+            </a:r>
+          </a:p>
+          <a:p>
+            <a:pPr lvl="0" rtl="0">
+              <a:lnSpc>
+                <a:spcPct val="115000"/>
+              </a:lnSpc>
+              <a:spcBef>
+                <a:spcPts val="600"/>
+              </a:spcBef>
+              <a:spcAft>
+                <a:spcPts val="600"/>
+              </a:spcAft>
+              <a:buNone/>
+            </a:pPr>
+            <a:r>
+              <a:rPr lang="en" sz="1800">
+                <a:solidFill>
+                  <a:srgbClr val="6AA84F"/>
+                </a:solidFill>
+                <a:highlight>
+                  <a:srgbClr val="FFFFFF"/>
+                </a:highlight>
+              </a:rPr>
+              <a:t>WHERE </a:t>
+            </a:r>
+          </a:p>
+          <a:p>
+            <a:pPr lvl="0" rtl="0">
+              <a:lnSpc>
+                <a:spcPct val="115000"/>
+              </a:lnSpc>
+              <a:spcBef>
+                <a:spcPts val="600"/>
+              </a:spcBef>
+              <a:spcAft>
+                <a:spcPts val="600"/>
+              </a:spcAft>
+              <a:buNone/>
+            </a:pPr>
+            <a:r>
+              <a:rPr lang="en" sz="1800">
+                <a:solidFill>
+                  <a:srgbClr val="6AA84F"/>
+                </a:solidFill>
+                <a:highlight>
+                  <a:srgbClr val="FFFFFF"/>
+                </a:highlight>
+              </a:rPr>
+              <a:t>CONVENIOS.COD_CONVENIO = FATO.COD_CONVENIO</a:t>
+            </a:r>
+          </a:p>
+          <a:p>
+            <a:pPr lvl="0" rtl="0">
+              <a:lnSpc>
+                <a:spcPct val="115000"/>
+              </a:lnSpc>
+              <a:spcBef>
+                <a:spcPts val="600"/>
+              </a:spcBef>
+              <a:spcAft>
+                <a:spcPts val="600"/>
+              </a:spcAft>
+              <a:buNone/>
+            </a:pPr>
+            <a:r>
+              <a:rPr lang="en" sz="1800">
+                <a:solidFill>
+                  <a:srgbClr val="6AA84F"/>
+                </a:solidFill>
+                <a:highlight>
+                  <a:srgbClr val="FFFFFF"/>
+                </a:highlight>
+              </a:rPr>
+              <a:t>GROUP BY COD_CONVENIO</a:t>
+            </a:r>
+          </a:p>
+          <a:p>
+            <a:pPr lvl="0" rtl="0">
+              <a:lnSpc>
+                <a:spcPct val="115000"/>
+              </a:lnSpc>
+              <a:spcBef>
+                <a:spcPts val="600"/>
+              </a:spcBef>
+              <a:spcAft>
+                <a:spcPts val="600"/>
+              </a:spcAft>
+              <a:buNone/>
+            </a:pPr>
+            <a:r>
+              <a:rPr lang="en" sz="1800">
+                <a:solidFill>
+                  <a:srgbClr val="6AA84F"/>
+                </a:solidFill>
+                <a:highlight>
+                  <a:srgbClr val="FFFFFF"/>
+                </a:highlight>
+              </a:rPr>
+              <a:t>Produto Cartesiano = 10 registros</a:t>
+            </a:r>
+          </a:p>
+          <a:p>
+            <a:pPr lvl="0" rtl="0">
+              <a:lnSpc>
+                <a:spcPct val="115000"/>
+              </a:lnSpc>
+              <a:spcBef>
+                <a:spcPts val="600"/>
+              </a:spcBef>
+              <a:spcAft>
+                <a:spcPts val="600"/>
+              </a:spcAft>
+              <a:buClr>
+                <a:schemeClr val="dk1"/>
+              </a:buClr>
+              <a:buSzPct val="61111"/>
+              <a:buFont typeface="Arial"/>
+              <a:buNone/>
+            </a:pPr>
+            <a:r>
+              <a:rPr lang="en" sz="1800">
+                <a:solidFill>
+                  <a:srgbClr val="FF0000"/>
+                </a:solidFill>
+                <a:highlight>
+                  <a:srgbClr val="FFFFFF"/>
+                </a:highlight>
+              </a:rPr>
+              <a:t>Produto Cartesiano = 100000000 de registros</a:t>
             </a:r>
           </a:p>
         </p:txBody>
@@ -7989,7 +8094,7 @@
   <p:cSld>
     <p:spTree>
       <p:nvGrpSpPr>
-        <p:cNvPr id="175" name="Shape 175"/>
+        <p:cNvPr id="174" name="Shape 174"/>
         <p:cNvGrpSpPr/>
         <p:nvPr/>
       </p:nvGrpSpPr>
@@ -8003,7 +8108,7 @@
       </p:grpSpPr>
       <p:sp>
         <p:nvSpPr>
-          <p:cNvPr id="176" name="Shape 176"/>
+          <p:cNvPr id="175" name="Shape 175"/>
           <p:cNvSpPr txBox="1"/>
           <p:nvPr>
             <p:ph type="ctrTitle"/>
@@ -8011,8 +8116,8 @@
         </p:nvSpPr>
         <p:spPr>
           <a:xfrm>
-            <a:off x="4730325" y="180200"/>
-            <a:ext cx="4075200" cy="855000"/>
+            <a:off x="311700" y="155275"/>
+            <a:ext cx="8520600" cy="543600"/>
           </a:xfrm>
           <a:prstGeom prst="rect">
             <a:avLst/>
@@ -8024,7 +8129,7 @@
           </a:bodyPr>
           <a:lstStyle/>
           <a:p>
-            <a:pPr lvl="0" rtl="0" algn="just">
+            <a:pPr lvl="0" rtl="0">
               <a:spcBef>
                 <a:spcPts val="0"/>
               </a:spcBef>
@@ -8032,14 +8137,14 @@
             </a:pPr>
             <a:r>
               <a:rPr lang="en" sz="2400"/>
-              <a:t>Picotando o SQL como Alexandre o Grande (2)</a:t>
+              <a:t>Picotando o SQL como Alexandre o Grande (1)</a:t>
             </a:r>
           </a:p>
         </p:txBody>
       </p:sp>
       <p:pic>
         <p:nvPicPr>
-          <p:cNvPr descr="SQLPicotado.png" id="177" name="Shape 177"/>
+          <p:cNvPr descr="cartesian_product.png" id="176" name="Shape 176"/>
           <p:cNvPicPr preferRelativeResize="0"/>
           <p:nvPr/>
         </p:nvPicPr>
@@ -8053,8 +8158,8 @@
         </p:blipFill>
         <p:spPr>
           <a:xfrm>
-            <a:off x="539673" y="0"/>
-            <a:ext cx="3963461" cy="5143499"/>
+            <a:off x="311698" y="698874"/>
+            <a:ext cx="4356527" cy="4444624"/>
           </a:xfrm>
           <a:prstGeom prst="rect">
             <a:avLst/>
@@ -8067,14 +8172,14 @@
       </p:pic>
       <p:sp>
         <p:nvSpPr>
-          <p:cNvPr id="178" name="Shape 178"/>
+          <p:cNvPr id="177" name="Shape 177"/>
           <p:cNvSpPr txBox="1"/>
           <p:nvPr/>
         </p:nvSpPr>
         <p:spPr>
           <a:xfrm>
-            <a:off x="5013825" y="2151425"/>
-            <a:ext cx="3791700" cy="1239600"/>
+            <a:off x="5013825" y="740650"/>
+            <a:ext cx="3818400" cy="4234800"/>
           </a:xfrm>
           <a:prstGeom prst="rect">
             <a:avLst/>
@@ -8090,6 +8195,18 @@
           </a:bodyPr>
           <a:lstStyle/>
           <a:p>
+            <a:pPr lvl="0" rtl="0" algn="just">
+              <a:spcBef>
+                <a:spcPts val="0"/>
+              </a:spcBef>
+              <a:buNone/>
+            </a:pPr>
+            <a:r>
+              <a:t/>
+            </a:r>
+            <a:endParaRPr sz="1800"/>
+          </a:p>
+          <a:p>
             <a:pPr lvl="0" algn="just">
               <a:spcBef>
                 <a:spcPts val="0"/>
@@ -8097,8 +8214,44 @@
               <a:buNone/>
             </a:pPr>
             <a:r>
-              <a:rPr lang="en" sz="1600"/>
-              <a:t>Conseguimos reduzir o SQL de 450 para 40 linhas, incluindo os comentários.</a:t>
+              <a:rPr lang="en" sz="1800"/>
+              <a:t>Pegamos a consulta grande do inicio do curso que tinha 450 linhas e picotamos elas em diversas views q contem os dados que precisamos fazer os produtos cartesianos.</a:t>
+            </a:r>
+          </a:p>
+          <a:p>
+            <a:pPr lvl="0" rtl="0" algn="just">
+              <a:spcBef>
+                <a:spcPts val="0"/>
+              </a:spcBef>
+              <a:buNone/>
+            </a:pPr>
+            <a:r>
+              <a:t/>
+            </a:r>
+            <a:endParaRPr sz="1800"/>
+          </a:p>
+          <a:p>
+            <a:pPr lvl="0" algn="just">
+              <a:spcBef>
+                <a:spcPts val="0"/>
+              </a:spcBef>
+              <a:buNone/>
+            </a:pPr>
+            <a:r>
+              <a:t/>
+            </a:r>
+            <a:endParaRPr sz="1800"/>
+          </a:p>
+          <a:p>
+            <a:pPr lvl="0" rtl="0" algn="just">
+              <a:spcBef>
+                <a:spcPts val="0"/>
+              </a:spcBef>
+              <a:buNone/>
+            </a:pPr>
+            <a:r>
+              <a:rPr lang="en" sz="1800"/>
+              <a:t>Dessa forma, podemos isolar os dados rodar as consultas individualmente para verificar os problemas de falta de indice e tal...</a:t>
             </a:r>
           </a:p>
         </p:txBody>
@@ -8116,7 +8269,7 @@
   <p:cSld>
     <p:spTree>
       <p:nvGrpSpPr>
-        <p:cNvPr id="182" name="Shape 182"/>
+        <p:cNvPr id="181" name="Shape 181"/>
         <p:cNvGrpSpPr/>
         <p:nvPr/>
       </p:nvGrpSpPr>
@@ -8130,7 +8283,7 @@
       </p:grpSpPr>
       <p:sp>
         <p:nvSpPr>
-          <p:cNvPr id="183" name="Shape 183"/>
+          <p:cNvPr id="182" name="Shape 182"/>
           <p:cNvSpPr txBox="1"/>
           <p:nvPr>
             <p:ph type="ctrTitle"/>
@@ -8138,8 +8291,8 @@
         </p:nvSpPr>
         <p:spPr>
           <a:xfrm>
-            <a:off x="311700" y="155275"/>
-            <a:ext cx="8520600" cy="609000"/>
+            <a:off x="4730325" y="180200"/>
+            <a:ext cx="4075200" cy="855000"/>
           </a:xfrm>
           <a:prstGeom prst="rect">
             <a:avLst/>
@@ -8151,73 +8304,22 @@
           </a:bodyPr>
           <a:lstStyle/>
           <a:p>
-            <a:pPr lvl="0" rtl="0">
-              <a:spcBef>
-                <a:spcPts val="0"/>
-              </a:spcBef>
-              <a:buNone/>
-            </a:pPr>
-            <a:r>
-              <a:rPr lang="en" sz="3600"/>
-              <a:t>E depois...</a:t>
-            </a:r>
-          </a:p>
-        </p:txBody>
-      </p:sp>
-      <p:sp>
-        <p:nvSpPr>
-          <p:cNvPr id="184" name="Shape 184"/>
-          <p:cNvSpPr txBox="1"/>
-          <p:nvPr/>
-        </p:nvSpPr>
-        <p:spPr>
-          <a:xfrm>
-            <a:off x="311700" y="695900"/>
-            <a:ext cx="8520600" cy="866400"/>
-          </a:xfrm>
-          <a:prstGeom prst="rect">
-            <a:avLst/>
-          </a:prstGeom>
-          <a:noFill/>
-          <a:ln>
-            <a:noFill/>
-          </a:ln>
-        </p:spPr>
-        <p:txBody>
-          <a:bodyPr anchorCtr="0" anchor="ctr" bIns="91425" lIns="91425" rIns="91425" tIns="91425">
-            <a:noAutofit/>
-          </a:bodyPr>
-          <a:lstStyle/>
-          <a:p>
-            <a:pPr lvl="0" rtl="0">
-              <a:lnSpc>
-                <a:spcPct val="115000"/>
-              </a:lnSpc>
-              <a:spcBef>
-                <a:spcPts val="600"/>
-              </a:spcBef>
-              <a:spcAft>
-                <a:spcPts val="600"/>
-              </a:spcAft>
-              <a:buNone/>
-            </a:pPr>
-            <a:r>
-              <a:rPr lang="en" sz="1800">
-                <a:solidFill>
-                  <a:srgbClr val="252525"/>
-                </a:solidFill>
-                <a:highlight>
-                  <a:srgbClr val="FFFFFF"/>
-                </a:highlight>
-              </a:rPr>
-              <a:t>Utilizando as ferramentas de analise do SQL Server podemos abrir cada uma das consultas filhas e verificar a falta de indice ou o ponto ofensor da performance:</a:t>
+            <a:pPr lvl="0" rtl="0" algn="just">
+              <a:spcBef>
+                <a:spcPts val="0"/>
+              </a:spcBef>
+              <a:buNone/>
+            </a:pPr>
+            <a:r>
+              <a:rPr lang="en" sz="2400"/>
+              <a:t>Picotando o SQL como Alexandre o Grande (2)</a:t>
             </a:r>
           </a:p>
         </p:txBody>
       </p:sp>
       <p:pic>
         <p:nvPicPr>
-          <p:cNvPr descr="faltaindices.png" id="185" name="Shape 185"/>
+          <p:cNvPr descr="SQLPicotado.png" id="183" name="Shape 183"/>
           <p:cNvPicPr preferRelativeResize="0"/>
           <p:nvPr/>
         </p:nvPicPr>
@@ -8231,8 +8333,8 @@
         </p:blipFill>
         <p:spPr>
           <a:xfrm>
-            <a:off x="217150" y="1701200"/>
-            <a:ext cx="8709724" cy="2639400"/>
+            <a:off x="539673" y="0"/>
+            <a:ext cx="3963461" cy="5143499"/>
           </a:xfrm>
           <a:prstGeom prst="rect">
             <a:avLst/>
@@ -8245,14 +8347,14 @@
       </p:pic>
       <p:sp>
         <p:nvSpPr>
-          <p:cNvPr id="186" name="Shape 186"/>
+          <p:cNvPr id="184" name="Shape 184"/>
           <p:cNvSpPr txBox="1"/>
           <p:nvPr/>
         </p:nvSpPr>
         <p:spPr>
           <a:xfrm>
-            <a:off x="217137" y="4182300"/>
-            <a:ext cx="8520600" cy="866400"/>
+            <a:off x="5013825" y="2151425"/>
+            <a:ext cx="3791700" cy="1239600"/>
           </a:xfrm>
           <a:prstGeom prst="rect">
             <a:avLst/>
@@ -8263,33 +8365,20 @@
           </a:ln>
         </p:spPr>
         <p:txBody>
-          <a:bodyPr anchorCtr="0" anchor="ctr" bIns="91425" lIns="91425" rIns="91425" tIns="91425">
+          <a:bodyPr anchorCtr="0" anchor="t" bIns="91425" lIns="91425" rIns="91425" tIns="91425">
             <a:noAutofit/>
           </a:bodyPr>
           <a:lstStyle/>
           <a:p>
-            <a:pPr lvl="0" rtl="0">
-              <a:lnSpc>
-                <a:spcPct val="115000"/>
-              </a:lnSpc>
-              <a:spcBef>
-                <a:spcPts val="600"/>
-              </a:spcBef>
-              <a:spcAft>
-                <a:spcPts val="600"/>
-              </a:spcAft>
-              <a:buNone/>
-            </a:pPr>
-            <a:r>
-              <a:rPr lang="en" sz="1800">
-                <a:solidFill>
-                  <a:srgbClr val="252525"/>
-                </a:solidFill>
-                <a:highlight>
-                  <a:srgbClr val="FFFFFF"/>
-                </a:highlight>
-              </a:rPr>
-              <a:t>Podemos ver acima q esta faltando um indice….</a:t>
+            <a:pPr lvl="0" algn="just">
+              <a:spcBef>
+                <a:spcPts val="0"/>
+              </a:spcBef>
+              <a:buNone/>
+            </a:pPr>
+            <a:r>
+              <a:rPr lang="en" sz="1600"/>
+              <a:t>Conseguimos reduzir o SQL de 450 para 40 linhas, incluindo os comentários.</a:t>
             </a:r>
           </a:p>
         </p:txBody>
@@ -8307,7 +8396,7 @@
   <p:cSld>
     <p:spTree>
       <p:nvGrpSpPr>
-        <p:cNvPr id="190" name="Shape 190"/>
+        <p:cNvPr id="188" name="Shape 188"/>
         <p:cNvGrpSpPr/>
         <p:nvPr/>
       </p:nvGrpSpPr>
@@ -8321,7 +8410,7 @@
       </p:grpSpPr>
       <p:sp>
         <p:nvSpPr>
-          <p:cNvPr id="191" name="Shape 191"/>
+          <p:cNvPr id="189" name="Shape 189"/>
           <p:cNvSpPr txBox="1"/>
           <p:nvPr>
             <p:ph type="ctrTitle"/>
@@ -8329,8 +8418,8 @@
         </p:nvSpPr>
         <p:spPr>
           <a:xfrm>
-            <a:off x="128225" y="183775"/>
-            <a:ext cx="8887500" cy="768600"/>
+            <a:off x="311700" y="155275"/>
+            <a:ext cx="8520600" cy="609000"/>
           </a:xfrm>
           <a:prstGeom prst="rect">
             <a:avLst/>
@@ -8349,15 +8438,66 @@
               <a:buNone/>
             </a:pPr>
             <a:r>
-              <a:rPr lang="en" sz="3000"/>
-              <a:t>Resultado: Dados retornados em 2:37 minutos</a:t>
+              <a:rPr lang="en" sz="3600"/>
+              <a:t>E depois...</a:t>
+            </a:r>
+          </a:p>
+        </p:txBody>
+      </p:sp>
+      <p:sp>
+        <p:nvSpPr>
+          <p:cNvPr id="190" name="Shape 190"/>
+          <p:cNvSpPr txBox="1"/>
+          <p:nvPr/>
+        </p:nvSpPr>
+        <p:spPr>
+          <a:xfrm>
+            <a:off x="311700" y="695900"/>
+            <a:ext cx="8520600" cy="866400"/>
+          </a:xfrm>
+          <a:prstGeom prst="rect">
+            <a:avLst/>
+          </a:prstGeom>
+          <a:noFill/>
+          <a:ln>
+            <a:noFill/>
+          </a:ln>
+        </p:spPr>
+        <p:txBody>
+          <a:bodyPr anchorCtr="0" anchor="ctr" bIns="91425" lIns="91425" rIns="91425" tIns="91425">
+            <a:noAutofit/>
+          </a:bodyPr>
+          <a:lstStyle/>
+          <a:p>
+            <a:pPr lvl="0" rtl="0">
+              <a:lnSpc>
+                <a:spcPct val="115000"/>
+              </a:lnSpc>
+              <a:spcBef>
+                <a:spcPts val="600"/>
+              </a:spcBef>
+              <a:spcAft>
+                <a:spcPts val="600"/>
+              </a:spcAft>
+              <a:buNone/>
+            </a:pPr>
+            <a:r>
+              <a:rPr lang="en" sz="1800">
+                <a:solidFill>
+                  <a:srgbClr val="252525"/>
+                </a:solidFill>
+                <a:highlight>
+                  <a:srgbClr val="FFFFFF"/>
+                </a:highlight>
+              </a:rPr>
+              <a:t>Utilizando as ferramentas de analise do SQL Server podemos abrir cada uma das consultas filhas e verificar a falta de indice ou o ponto ofensor da performance:</a:t>
             </a:r>
           </a:p>
         </p:txBody>
       </p:sp>
       <p:pic>
         <p:nvPicPr>
-          <p:cNvPr descr="resultado2.png" id="192" name="Shape 192"/>
+          <p:cNvPr descr="faltaindices.png" id="191" name="Shape 191"/>
           <p:cNvPicPr preferRelativeResize="0"/>
           <p:nvPr/>
         </p:nvPicPr>
@@ -8371,8 +8511,8 @@
         </p:blipFill>
         <p:spPr>
           <a:xfrm>
-            <a:off x="128237" y="1092275"/>
-            <a:ext cx="8887524" cy="2958949"/>
+            <a:off x="217150" y="1701200"/>
+            <a:ext cx="8709724" cy="2639400"/>
           </a:xfrm>
           <a:prstGeom prst="rect">
             <a:avLst/>
@@ -8385,14 +8525,14 @@
       </p:pic>
       <p:sp>
         <p:nvSpPr>
-          <p:cNvPr id="193" name="Shape 193"/>
+          <p:cNvPr id="192" name="Shape 192"/>
           <p:cNvSpPr txBox="1"/>
           <p:nvPr/>
         </p:nvSpPr>
         <p:spPr>
           <a:xfrm>
-            <a:off x="128200" y="4051225"/>
-            <a:ext cx="8887500" cy="468000"/>
+            <a:off x="217137" y="4182300"/>
+            <a:ext cx="8520600" cy="866400"/>
           </a:xfrm>
           <a:prstGeom prst="rect">
             <a:avLst/>
@@ -8408,19 +8548,28 @@
           </a:bodyPr>
           <a:lstStyle/>
           <a:p>
-            <a:pPr lvl="0" rtl="0" algn="ctr">
-              <a:spcBef>
-                <a:spcPts val="0"/>
-              </a:spcBef>
+            <a:pPr lvl="0" rtl="0">
+              <a:lnSpc>
+                <a:spcPct val="115000"/>
+              </a:lnSpc>
+              <a:spcBef>
+                <a:spcPts val="600"/>
+              </a:spcBef>
+              <a:spcAft>
+                <a:spcPts val="600"/>
+              </a:spcAft>
               <a:buNone/>
             </a:pPr>
             <a:r>
               <a:rPr lang="en" sz="1800">
                 <a:solidFill>
-                  <a:schemeClr val="dk1"/>
+                  <a:srgbClr val="252525"/>
                 </a:solidFill>
+                <a:highlight>
+                  <a:srgbClr val="FFFFFF"/>
+                </a:highlight>
               </a:rPr>
-              <a:t>Antes havia sido 25 minutos</a:t>
+              <a:t>Podemos ver acima q esta faltando um indice….</a:t>
             </a:r>
           </a:p>
         </p:txBody>
@@ -8438,7 +8587,7 @@
   <p:cSld>
     <p:spTree>
       <p:nvGrpSpPr>
-        <p:cNvPr id="197" name="Shape 197"/>
+        <p:cNvPr id="196" name="Shape 196"/>
         <p:cNvGrpSpPr/>
         <p:nvPr/>
       </p:nvGrpSpPr>
@@ -8452,7 +8601,7 @@
       </p:grpSpPr>
       <p:sp>
         <p:nvSpPr>
-          <p:cNvPr id="198" name="Shape 198"/>
+          <p:cNvPr id="197" name="Shape 197"/>
           <p:cNvSpPr txBox="1"/>
           <p:nvPr>
             <p:ph type="ctrTitle"/>
@@ -8481,21 +8630,29 @@
             </a:pPr>
             <a:r>
               <a:rPr lang="en" sz="3000"/>
-              <a:t>Próximas melhorias:</a:t>
+              <a:t>Resultado: Dados retornados em 2:37 minutos</a:t>
             </a:r>
           </a:p>
         </p:txBody>
       </p:sp>
-      <p:sp>
-        <p:nvSpPr>
-          <p:cNvPr id="199" name="Shape 199"/>
-          <p:cNvSpPr txBox="1"/>
+      <p:pic>
+        <p:nvPicPr>
+          <p:cNvPr descr="resultado2.png" id="198" name="Shape 198"/>
+          <p:cNvPicPr preferRelativeResize="0"/>
           <p:nvPr/>
-        </p:nvSpPr>
-        <p:spPr>
-          <a:xfrm>
-            <a:off x="468600" y="1029125"/>
-            <a:ext cx="8206800" cy="2841000"/>
+        </p:nvPicPr>
+        <p:blipFill>
+          <a:blip r:embed="rId3">
+            <a:alphaModFix/>
+          </a:blip>
+          <a:stretch>
+            <a:fillRect/>
+          </a:stretch>
+        </p:blipFill>
+        <p:spPr>
+          <a:xfrm>
+            <a:off x="128237" y="1092275"/>
+            <a:ext cx="8887524" cy="2958949"/>
           </a:xfrm>
           <a:prstGeom prst="rect">
             <a:avLst/>
@@ -8505,68 +8662,45 @@
             <a:noFill/>
           </a:ln>
         </p:spPr>
+      </p:pic>
+      <p:sp>
+        <p:nvSpPr>
+          <p:cNvPr id="199" name="Shape 199"/>
+          <p:cNvSpPr txBox="1"/>
+          <p:nvPr/>
+        </p:nvSpPr>
+        <p:spPr>
+          <a:xfrm>
+            <a:off x="128200" y="4051225"/>
+            <a:ext cx="8887500" cy="468000"/>
+          </a:xfrm>
+          <a:prstGeom prst="rect">
+            <a:avLst/>
+          </a:prstGeom>
+          <a:noFill/>
+          <a:ln>
+            <a:noFill/>
+          </a:ln>
+        </p:spPr>
         <p:txBody>
-          <a:bodyPr anchorCtr="0" anchor="t" bIns="91425" lIns="91425" rIns="91425" tIns="91425">
+          <a:bodyPr anchorCtr="0" anchor="ctr" bIns="91425" lIns="91425" rIns="91425" tIns="91425">
             <a:noAutofit/>
           </a:bodyPr>
           <a:lstStyle/>
           <a:p>
-            <a:pPr indent="-381000" lvl="0" marL="457200" rtl="0">
-              <a:spcBef>
-                <a:spcPts val="0"/>
-              </a:spcBef>
-              <a:buSzPct val="100000"/>
-              <a:buChar char="●"/>
-            </a:pPr>
-            <a:r>
-              <a:rPr lang="en" sz="2400"/>
-              <a:t>Salvar os dados em vez de usar views, criando tabelas </a:t>
-            </a:r>
-            <a:r>
-              <a:rPr lang="en" sz="2400"/>
-              <a:t>temporárias</a:t>
-            </a:r>
-            <a:r>
-              <a:rPr lang="en" sz="2400"/>
-              <a:t> para ter os dados, essas tabelas </a:t>
-            </a:r>
-            <a:r>
-              <a:rPr lang="en" sz="2400"/>
-              <a:t>temporárias</a:t>
-            </a:r>
-            <a:r>
-              <a:rPr lang="en" sz="2400"/>
-              <a:t> podem ter </a:t>
-            </a:r>
-            <a:r>
-              <a:rPr lang="en" sz="2400"/>
-              <a:t>índices</a:t>
-            </a:r>
-            <a:r>
-              <a:rPr lang="en" sz="2400"/>
-              <a:t>, oque aumenta também a performance.</a:t>
-            </a:r>
-          </a:p>
-          <a:p>
-            <a:pPr indent="-381000" lvl="0" marL="457200">
-              <a:spcBef>
-                <a:spcPts val="0"/>
-              </a:spcBef>
-              <a:buSzPct val="100000"/>
-              <a:buChar char="●"/>
-            </a:pPr>
-            <a:r>
-              <a:rPr lang="en" sz="2400"/>
-              <a:t>Usar identadores online de SQL, oque ajuda a formatar de forma fácil o arquivo texto do comando SQL, um exemplo é o </a:t>
-            </a:r>
-            <a:r>
-              <a:rPr lang="en" sz="2400" u="sng">
+            <a:pPr lvl="0" rtl="0" algn="ctr">
+              <a:spcBef>
+                <a:spcPts val="0"/>
+              </a:spcBef>
+              <a:buNone/>
+            </a:pPr>
+            <a:r>
+              <a:rPr lang="en" sz="1800">
                 <a:solidFill>
-                  <a:schemeClr val="hlink"/>
+                  <a:schemeClr val="dk1"/>
                 </a:solidFill>
-                <a:hlinkClick r:id="rId3"/>
               </a:rPr>
-              <a:t>https://sqlformat.org/</a:t>
+              <a:t>Antes havia sido 25 minutos</a:t>
             </a:r>
           </a:p>
         </p:txBody>
@@ -8606,8 +8740,8 @@
         </p:nvSpPr>
         <p:spPr>
           <a:xfrm>
-            <a:off x="311700" y="155275"/>
-            <a:ext cx="8520600" cy="893100"/>
+            <a:off x="128225" y="183775"/>
+            <a:ext cx="8887500" cy="768600"/>
           </a:xfrm>
           <a:prstGeom prst="rect">
             <a:avLst/>
@@ -8626,6 +8760,152 @@
               <a:buNone/>
             </a:pPr>
             <a:r>
+              <a:rPr lang="en" sz="3000"/>
+              <a:t>Próximas melhorias:</a:t>
+            </a:r>
+          </a:p>
+        </p:txBody>
+      </p:sp>
+      <p:sp>
+        <p:nvSpPr>
+          <p:cNvPr id="205" name="Shape 205"/>
+          <p:cNvSpPr txBox="1"/>
+          <p:nvPr/>
+        </p:nvSpPr>
+        <p:spPr>
+          <a:xfrm>
+            <a:off x="468600" y="1029125"/>
+            <a:ext cx="8206800" cy="2841000"/>
+          </a:xfrm>
+          <a:prstGeom prst="rect">
+            <a:avLst/>
+          </a:prstGeom>
+          <a:noFill/>
+          <a:ln>
+            <a:noFill/>
+          </a:ln>
+        </p:spPr>
+        <p:txBody>
+          <a:bodyPr anchorCtr="0" anchor="t" bIns="91425" lIns="91425" rIns="91425" tIns="91425">
+            <a:noAutofit/>
+          </a:bodyPr>
+          <a:lstStyle/>
+          <a:p>
+            <a:pPr indent="-381000" lvl="0" marL="457200" rtl="0">
+              <a:spcBef>
+                <a:spcPts val="0"/>
+              </a:spcBef>
+              <a:buSzPct val="100000"/>
+              <a:buChar char="●"/>
+            </a:pPr>
+            <a:r>
+              <a:rPr lang="en" sz="2400"/>
+              <a:t>Salvar os dados em vez de usar views, criando tabelas </a:t>
+            </a:r>
+            <a:r>
+              <a:rPr lang="en" sz="2400"/>
+              <a:t>temporárias</a:t>
+            </a:r>
+            <a:r>
+              <a:rPr lang="en" sz="2400"/>
+              <a:t> para ter os dados, essas tabelas </a:t>
+            </a:r>
+            <a:r>
+              <a:rPr lang="en" sz="2400"/>
+              <a:t>temporárias</a:t>
+            </a:r>
+            <a:r>
+              <a:rPr lang="en" sz="2400"/>
+              <a:t> podem ter </a:t>
+            </a:r>
+            <a:r>
+              <a:rPr lang="en" sz="2400"/>
+              <a:t>índices</a:t>
+            </a:r>
+            <a:r>
+              <a:rPr lang="en" sz="2400"/>
+              <a:t>, oque aumenta também a performance.</a:t>
+            </a:r>
+          </a:p>
+          <a:p>
+            <a:pPr indent="-381000" lvl="0" marL="457200">
+              <a:spcBef>
+                <a:spcPts val="0"/>
+              </a:spcBef>
+              <a:buSzPct val="100000"/>
+              <a:buChar char="●"/>
+            </a:pPr>
+            <a:r>
+              <a:rPr lang="en" sz="2400"/>
+              <a:t>Usar identadores online de SQL, oque ajuda a formatar de forma fácil o arquivo texto do comando SQL, um exemplo é o </a:t>
+            </a:r>
+            <a:r>
+              <a:rPr lang="en" sz="2400" u="sng">
+                <a:solidFill>
+                  <a:schemeClr val="hlink"/>
+                </a:solidFill>
+                <a:hlinkClick r:id="rId3"/>
+              </a:rPr>
+              <a:t>https://sqlformat.org/</a:t>
+            </a:r>
+          </a:p>
+        </p:txBody>
+      </p:sp>
+    </p:spTree>
+  </p:cSld>
+  <p:clrMapOvr>
+    <a:masterClrMapping/>
+  </p:clrMapOvr>
+</p:sld>
+</file>
+
+<file path=ppt/slides/slide26.xml><?xml version="1.0" encoding="utf-8"?>
+<p:sld xmlns:a="http://schemas.openxmlformats.org/drawingml/2006/main" xmlns:r="http://schemas.openxmlformats.org/officeDocument/2006/relationships" xmlns:mc="http://schemas.openxmlformats.org/markup-compatibility/2006" xmlns:mv="urn:schemas-microsoft-com:mac:vml" xmlns:p="http://schemas.openxmlformats.org/presentationml/2006/main" xmlns:c="http://schemas.openxmlformats.org/drawingml/2006/chart" xmlns:dgm="http://schemas.openxmlformats.org/drawingml/2006/diagram" xmlns:o="urn:schemas-microsoft-com:office:office" xmlns:v="urn:schemas-microsoft-com:vml" xmlns:pvml="urn:schemas-microsoft-com:office:powerpoint" xmlns:com="http://schemas.openxmlformats.org/drawingml/2006/compatibility" xmlns:p14="http://schemas.microsoft.com/office/powerpoint/2010/main">
+  <p:cSld>
+    <p:spTree>
+      <p:nvGrpSpPr>
+        <p:cNvPr id="209" name="Shape 209"/>
+        <p:cNvGrpSpPr/>
+        <p:nvPr/>
+      </p:nvGrpSpPr>
+      <p:grpSpPr>
+        <a:xfrm>
+          <a:off x="0" y="0"/>
+          <a:ext cx="0" cy="0"/>
+          <a:chOff x="0" y="0"/>
+          <a:chExt cx="0" cy="0"/>
+        </a:xfrm>
+      </p:grpSpPr>
+      <p:sp>
+        <p:nvSpPr>
+          <p:cNvPr id="210" name="Shape 210"/>
+          <p:cNvSpPr txBox="1"/>
+          <p:nvPr>
+            <p:ph type="ctrTitle"/>
+          </p:nvPr>
+        </p:nvSpPr>
+        <p:spPr>
+          <a:xfrm>
+            <a:off x="311700" y="155275"/>
+            <a:ext cx="8520600" cy="893100"/>
+          </a:xfrm>
+          <a:prstGeom prst="rect">
+            <a:avLst/>
+          </a:prstGeom>
+        </p:spPr>
+        <p:txBody>
+          <a:bodyPr anchorCtr="0" anchor="b" bIns="91425" lIns="91425" rIns="91425" tIns="91425">
+            <a:noAutofit/>
+          </a:bodyPr>
+          <a:lstStyle/>
+          <a:p>
+            <a:pPr lvl="0" rtl="0">
+              <a:spcBef>
+                <a:spcPts val="0"/>
+              </a:spcBef>
+              <a:buNone/>
+            </a:pPr>
+            <a:r>
               <a:rPr lang="en" sz="3600"/>
               <a:t>Conclusão</a:t>
             </a:r>
@@ -8634,7 +8914,7 @@
       </p:sp>
       <p:sp>
         <p:nvSpPr>
-          <p:cNvPr id="205" name="Shape 205"/>
+          <p:cNvPr id="211" name="Shape 211"/>
           <p:cNvSpPr txBox="1"/>
           <p:nvPr/>
         </p:nvSpPr>
@@ -9238,7 +9518,7 @@
         </p:nvSpPr>
         <p:spPr>
           <a:xfrm>
-            <a:off x="311700" y="343025"/>
+            <a:off x="311700" y="155275"/>
             <a:ext cx="8520600" cy="495000"/>
           </a:xfrm>
           <a:prstGeom prst="rect">
@@ -9259,21 +9539,29 @@
             </a:pPr>
             <a:r>
               <a:rPr lang="en" sz="3000"/>
-              <a:t>A Solução de Alexandre o Grande</a:t>
+              <a:t>Vamos desatar o Nó Górdio</a:t>
             </a:r>
           </a:p>
         </p:txBody>
       </p:sp>
-      <p:sp>
-        <p:nvSpPr>
-          <p:cNvPr id="87" name="Shape 87"/>
-          <p:cNvSpPr txBox="1"/>
+      <p:pic>
+        <p:nvPicPr>
+          <p:cNvPr descr="Gordian_knot_Cut.jpg" id="87" name="Shape 87"/>
+          <p:cNvPicPr preferRelativeResize="0"/>
           <p:nvPr/>
-        </p:nvSpPr>
-        <p:spPr>
-          <a:xfrm>
-            <a:off x="277500" y="838025"/>
-            <a:ext cx="8589000" cy="3795600"/>
+        </p:nvPicPr>
+        <p:blipFill>
+          <a:blip r:embed="rId3">
+            <a:alphaModFix/>
+          </a:blip>
+          <a:stretch>
+            <a:fillRect/>
+          </a:stretch>
+        </p:blipFill>
+        <p:spPr>
+          <a:xfrm>
+            <a:off x="2379512" y="650275"/>
+            <a:ext cx="4384974" cy="4127024"/>
           </a:xfrm>
           <a:prstGeom prst="rect">
             <a:avLst/>
@@ -9283,249 +9571,7 @@
             <a:noFill/>
           </a:ln>
         </p:spPr>
-        <p:txBody>
-          <a:bodyPr anchorCtr="0" anchor="ctr" bIns="91425" lIns="91425" rIns="91425" tIns="91425">
-            <a:noAutofit/>
-          </a:bodyPr>
-          <a:lstStyle/>
-          <a:p>
-            <a:pPr lvl="0" rtl="0">
-              <a:lnSpc>
-                <a:spcPct val="115000"/>
-              </a:lnSpc>
-              <a:spcBef>
-                <a:spcPts val="600"/>
-              </a:spcBef>
-              <a:spcAft>
-                <a:spcPts val="600"/>
-              </a:spcAft>
-              <a:buNone/>
-            </a:pPr>
-            <a:r>
-              <a:rPr lang="en">
-                <a:solidFill>
-                  <a:srgbClr val="252525"/>
-                </a:solidFill>
-                <a:highlight>
-                  <a:srgbClr val="FFFFFF"/>
-                </a:highlight>
-              </a:rPr>
-              <a:t>Conta-se que o rei da </a:t>
-            </a:r>
-            <a:r>
-              <a:rPr lang="en">
-                <a:solidFill>
-                  <a:srgbClr val="0B0080"/>
-                </a:solidFill>
-                <a:highlight>
-                  <a:srgbClr val="FFFFFF"/>
-                </a:highlight>
-                <a:hlinkClick r:id="rId3"/>
-              </a:rPr>
-              <a:t>Frígia</a:t>
-            </a:r>
-            <a:r>
-              <a:rPr lang="en">
-                <a:solidFill>
-                  <a:srgbClr val="252525"/>
-                </a:solidFill>
-                <a:highlight>
-                  <a:srgbClr val="FFFFFF"/>
-                </a:highlight>
-              </a:rPr>
-              <a:t> morreu sem deixar herdeiro e que, ao ser consultado, o </a:t>
-            </a:r>
-            <a:r>
-              <a:rPr lang="en">
-                <a:solidFill>
-                  <a:srgbClr val="0B0080"/>
-                </a:solidFill>
-                <a:highlight>
-                  <a:srgbClr val="FFFFFF"/>
-                </a:highlight>
-                <a:hlinkClick r:id="rId4"/>
-              </a:rPr>
-              <a:t>Oráculo</a:t>
-            </a:r>
-            <a:r>
-              <a:rPr lang="en">
-                <a:solidFill>
-                  <a:srgbClr val="252525"/>
-                </a:solidFill>
-                <a:highlight>
-                  <a:srgbClr val="FFFFFF"/>
-                </a:highlight>
-              </a:rPr>
-              <a:t> anunciou que o sucessor chegaria à cidade num carro de bois. A </a:t>
-            </a:r>
-            <a:r>
-              <a:rPr lang="en">
-                <a:solidFill>
-                  <a:srgbClr val="0B0080"/>
-                </a:solidFill>
-                <a:highlight>
-                  <a:srgbClr val="FFFFFF"/>
-                </a:highlight>
-                <a:hlinkClick r:id="rId5"/>
-              </a:rPr>
-              <a:t>profecia</a:t>
-            </a:r>
-            <a:r>
-              <a:rPr lang="en">
-                <a:solidFill>
-                  <a:srgbClr val="252525"/>
-                </a:solidFill>
-                <a:highlight>
-                  <a:srgbClr val="FFFFFF"/>
-                </a:highlight>
-              </a:rPr>
-              <a:t> foi cumprida por um camponês, de nome </a:t>
-            </a:r>
-            <a:r>
-              <a:rPr lang="en">
-                <a:solidFill>
-                  <a:srgbClr val="0B0080"/>
-                </a:solidFill>
-                <a:highlight>
-                  <a:srgbClr val="FFFFFF"/>
-                </a:highlight>
-                <a:hlinkClick r:id="rId6"/>
-              </a:rPr>
-              <a:t>Górdio</a:t>
-            </a:r>
-            <a:r>
-              <a:rPr lang="en">
-                <a:solidFill>
-                  <a:srgbClr val="252525"/>
-                </a:solidFill>
-                <a:highlight>
-                  <a:srgbClr val="FFFFFF"/>
-                </a:highlight>
-              </a:rPr>
-              <a:t>, que foi coroado. Para não esquecer de seu passado humilde ele colocou a carroça, com a qual ganhou a coroa, no templo de </a:t>
-            </a:r>
-            <a:r>
-              <a:rPr lang="en">
-                <a:solidFill>
-                  <a:srgbClr val="0B0080"/>
-                </a:solidFill>
-                <a:highlight>
-                  <a:srgbClr val="FFFFFF"/>
-                </a:highlight>
-                <a:hlinkClick r:id="rId7"/>
-              </a:rPr>
-              <a:t>Zeus</a:t>
-            </a:r>
-            <a:r>
-              <a:rPr lang="en">
-                <a:solidFill>
-                  <a:srgbClr val="252525"/>
-                </a:solidFill>
-                <a:highlight>
-                  <a:srgbClr val="FFFFFF"/>
-                </a:highlight>
-              </a:rPr>
-              <a:t>. E a amarrou com um enorme nó a uma coluna. O nó era, na prática, impossível de desatar e por isso ficou famoso.</a:t>
-            </a:r>
-          </a:p>
-          <a:p>
-            <a:pPr lvl="0" rtl="0">
-              <a:lnSpc>
-                <a:spcPct val="115000"/>
-              </a:lnSpc>
-              <a:spcBef>
-                <a:spcPts val="600"/>
-              </a:spcBef>
-              <a:spcAft>
-                <a:spcPts val="600"/>
-              </a:spcAft>
-              <a:buNone/>
-            </a:pPr>
-            <a:r>
-              <a:rPr lang="en">
-                <a:solidFill>
-                  <a:srgbClr val="252525"/>
-                </a:solidFill>
-                <a:highlight>
-                  <a:srgbClr val="FFFFFF"/>
-                </a:highlight>
-              </a:rPr>
-              <a:t>Górdio reinou por muito tempo e quando morreu, seu filho </a:t>
-            </a:r>
-            <a:r>
-              <a:rPr lang="en">
-                <a:solidFill>
-                  <a:srgbClr val="0B0080"/>
-                </a:solidFill>
-                <a:highlight>
-                  <a:srgbClr val="FFFFFF"/>
-                </a:highlight>
-                <a:hlinkClick r:id="rId8"/>
-              </a:rPr>
-              <a:t>Midas</a:t>
-            </a:r>
-            <a:r>
-              <a:rPr lang="en">
-                <a:solidFill>
-                  <a:srgbClr val="252525"/>
-                </a:solidFill>
-                <a:highlight>
-                  <a:srgbClr val="FFFFFF"/>
-                </a:highlight>
-              </a:rPr>
-              <a:t> assumiu o trono. Midas expandiu o império mas não deixou herdeiros. O Oráculo foi ouvido novamente e declarou que quem desatasse o nó de Górdio dominaria todo o mundo.</a:t>
-            </a:r>
-          </a:p>
-          <a:p>
-            <a:pPr lvl="0" rtl="0">
-              <a:lnSpc>
-                <a:spcPct val="115000"/>
-              </a:lnSpc>
-              <a:spcBef>
-                <a:spcPts val="600"/>
-              </a:spcBef>
-              <a:spcAft>
-                <a:spcPts val="600"/>
-              </a:spcAft>
-              <a:buNone/>
-            </a:pPr>
-            <a:r>
-              <a:rPr lang="en">
-                <a:solidFill>
-                  <a:srgbClr val="252525"/>
-                </a:solidFill>
-                <a:highlight>
-                  <a:srgbClr val="FFFFFF"/>
-                </a:highlight>
-              </a:rPr>
-              <a:t>Quinhentos anos se passaram sem ninguém conseguir realizar esse feito, até que em 334 a.C </a:t>
-            </a:r>
-            <a:r>
-              <a:rPr lang="en">
-                <a:solidFill>
-                  <a:srgbClr val="0B0080"/>
-                </a:solidFill>
-                <a:highlight>
-                  <a:srgbClr val="FFFFFF"/>
-                </a:highlight>
-                <a:hlinkClick r:id="rId9"/>
-              </a:rPr>
-              <a:t>Alexandre, o Grande</a:t>
-            </a:r>
-            <a:r>
-              <a:rPr lang="en">
-                <a:solidFill>
-                  <a:srgbClr val="252525"/>
-                </a:solidFill>
-                <a:highlight>
-                  <a:srgbClr val="FFFFFF"/>
-                </a:highlight>
-              </a:rPr>
-              <a:t>, ouviu essa lenda ao passar pela Frígia. Intrigado com a questão, foi até o templo de Zeus observar o feito de Górdio. Após muito analisar, desembainhou sua espada e cortou o nó. Lenda ou não o fato é que Alexandre se tornou senhor de toda a Ásia Menor poucos anos depois.</a:t>
-            </a:r>
-          </a:p>
-        </p:txBody>
-      </p:sp>
+      </p:pic>
     </p:spTree>
   </p:cSld>
   <p:clrMapOvr>
@@ -9561,7 +9607,7 @@
         </p:nvSpPr>
         <p:spPr>
           <a:xfrm>
-            <a:off x="311700" y="155275"/>
+            <a:off x="311700" y="343025"/>
             <a:ext cx="8520600" cy="495000"/>
           </a:xfrm>
           <a:prstGeom prst="rect">
@@ -9582,7 +9628,7 @@
             </a:pPr>
             <a:r>
               <a:rPr lang="en" sz="3000"/>
-              <a:t>Voltando ao Inicio: Bancos Relacionais</a:t>
+              <a:t>A Solução de Alexandre o Grande</a:t>
             </a:r>
           </a:p>
         </p:txBody>
@@ -9595,8 +9641,8 @@
         </p:nvSpPr>
         <p:spPr>
           <a:xfrm>
-            <a:off x="5565400" y="740650"/>
-            <a:ext cx="3301200" cy="3975300"/>
+            <a:off x="277500" y="838025"/>
+            <a:ext cx="8589000" cy="3795600"/>
           </a:xfrm>
           <a:prstGeom prst="rect">
             <a:avLst/>
@@ -9612,7 +9658,7 @@
           </a:bodyPr>
           <a:lstStyle/>
           <a:p>
-            <a:pPr lvl="0" rtl="0" algn="just">
+            <a:pPr lvl="0" rtl="0">
               <a:lnSpc>
                 <a:spcPct val="115000"/>
               </a:lnSpc>
@@ -9625,7 +9671,7 @@
               <a:buNone/>
             </a:pPr>
             <a:r>
-              <a:rPr lang="en" sz="2200">
+              <a:rPr lang="en">
                 <a:solidFill>
                   <a:srgbClr val="252525"/>
                 </a:solidFill>
@@ -9633,39 +9679,222 @@
                   <a:srgbClr val="FFFFFF"/>
                 </a:highlight>
               </a:rPr>
-              <a:t>Um banco relacional é um banco em que as tabelas se relacionam entre si a fim de poderem compor dados complexos como na imagem ao lado:</a:t>
+              <a:t>Conta-se que o rei da </a:t>
+            </a:r>
+            <a:r>
+              <a:rPr lang="en">
+                <a:solidFill>
+                  <a:srgbClr val="0B0080"/>
+                </a:solidFill>
+                <a:highlight>
+                  <a:srgbClr val="FFFFFF"/>
+                </a:highlight>
+                <a:hlinkClick r:id="rId3"/>
+              </a:rPr>
+              <a:t>Frígia</a:t>
+            </a:r>
+            <a:r>
+              <a:rPr lang="en">
+                <a:solidFill>
+                  <a:srgbClr val="252525"/>
+                </a:solidFill>
+                <a:highlight>
+                  <a:srgbClr val="FFFFFF"/>
+                </a:highlight>
+              </a:rPr>
+              <a:t> morreu sem deixar herdeiro e que, ao ser consultado, o </a:t>
+            </a:r>
+            <a:r>
+              <a:rPr lang="en">
+                <a:solidFill>
+                  <a:srgbClr val="0B0080"/>
+                </a:solidFill>
+                <a:highlight>
+                  <a:srgbClr val="FFFFFF"/>
+                </a:highlight>
+                <a:hlinkClick r:id="rId4"/>
+              </a:rPr>
+              <a:t>Oráculo</a:t>
+            </a:r>
+            <a:r>
+              <a:rPr lang="en">
+                <a:solidFill>
+                  <a:srgbClr val="252525"/>
+                </a:solidFill>
+                <a:highlight>
+                  <a:srgbClr val="FFFFFF"/>
+                </a:highlight>
+              </a:rPr>
+              <a:t> anunciou que o sucessor chegaria à cidade num carro de bois. A </a:t>
+            </a:r>
+            <a:r>
+              <a:rPr lang="en">
+                <a:solidFill>
+                  <a:srgbClr val="0B0080"/>
+                </a:solidFill>
+                <a:highlight>
+                  <a:srgbClr val="FFFFFF"/>
+                </a:highlight>
+                <a:hlinkClick r:id="rId5"/>
+              </a:rPr>
+              <a:t>profecia</a:t>
+            </a:r>
+            <a:r>
+              <a:rPr lang="en">
+                <a:solidFill>
+                  <a:srgbClr val="252525"/>
+                </a:solidFill>
+                <a:highlight>
+                  <a:srgbClr val="FFFFFF"/>
+                </a:highlight>
+              </a:rPr>
+              <a:t> foi cumprida por um camponês, de nome </a:t>
+            </a:r>
+            <a:r>
+              <a:rPr lang="en">
+                <a:solidFill>
+                  <a:srgbClr val="0B0080"/>
+                </a:solidFill>
+                <a:highlight>
+                  <a:srgbClr val="FFFFFF"/>
+                </a:highlight>
+                <a:hlinkClick r:id="rId6"/>
+              </a:rPr>
+              <a:t>Górdio</a:t>
+            </a:r>
+            <a:r>
+              <a:rPr lang="en">
+                <a:solidFill>
+                  <a:srgbClr val="252525"/>
+                </a:solidFill>
+                <a:highlight>
+                  <a:srgbClr val="FFFFFF"/>
+                </a:highlight>
+              </a:rPr>
+              <a:t>, que foi coroado. Para não esquecer de seu passado humilde ele colocou a carroça, com a qual ganhou a coroa, no templo de </a:t>
+            </a:r>
+            <a:r>
+              <a:rPr lang="en">
+                <a:solidFill>
+                  <a:srgbClr val="0B0080"/>
+                </a:solidFill>
+                <a:highlight>
+                  <a:srgbClr val="FFFFFF"/>
+                </a:highlight>
+                <a:hlinkClick r:id="rId7"/>
+              </a:rPr>
+              <a:t>Zeus</a:t>
+            </a:r>
+            <a:r>
+              <a:rPr lang="en">
+                <a:solidFill>
+                  <a:srgbClr val="252525"/>
+                </a:solidFill>
+                <a:highlight>
+                  <a:srgbClr val="FFFFFF"/>
+                </a:highlight>
+              </a:rPr>
+              <a:t>. E a amarrou com um enorme nó a uma coluna. O nó era, na prática, impossível de desatar e por isso ficou famoso.</a:t>
+            </a:r>
+          </a:p>
+          <a:p>
+            <a:pPr lvl="0" rtl="0">
+              <a:lnSpc>
+                <a:spcPct val="115000"/>
+              </a:lnSpc>
+              <a:spcBef>
+                <a:spcPts val="600"/>
+              </a:spcBef>
+              <a:spcAft>
+                <a:spcPts val="600"/>
+              </a:spcAft>
+              <a:buNone/>
+            </a:pPr>
+            <a:r>
+              <a:rPr lang="en">
+                <a:solidFill>
+                  <a:srgbClr val="252525"/>
+                </a:solidFill>
+                <a:highlight>
+                  <a:srgbClr val="FFFFFF"/>
+                </a:highlight>
+              </a:rPr>
+              <a:t>Górdio reinou por muito tempo e quando morreu, seu filho </a:t>
+            </a:r>
+            <a:r>
+              <a:rPr lang="en">
+                <a:solidFill>
+                  <a:srgbClr val="0B0080"/>
+                </a:solidFill>
+                <a:highlight>
+                  <a:srgbClr val="FFFFFF"/>
+                </a:highlight>
+                <a:hlinkClick r:id="rId8"/>
+              </a:rPr>
+              <a:t>Midas</a:t>
+            </a:r>
+            <a:r>
+              <a:rPr lang="en">
+                <a:solidFill>
+                  <a:srgbClr val="252525"/>
+                </a:solidFill>
+                <a:highlight>
+                  <a:srgbClr val="FFFFFF"/>
+                </a:highlight>
+              </a:rPr>
+              <a:t> assumiu o trono. Midas expandiu o império mas não deixou herdeiros. O Oráculo foi ouvido novamente e declarou que quem desatasse o nó de Górdio dominaria todo o mundo.</a:t>
+            </a:r>
+          </a:p>
+          <a:p>
+            <a:pPr lvl="0" rtl="0">
+              <a:lnSpc>
+                <a:spcPct val="115000"/>
+              </a:lnSpc>
+              <a:spcBef>
+                <a:spcPts val="600"/>
+              </a:spcBef>
+              <a:spcAft>
+                <a:spcPts val="600"/>
+              </a:spcAft>
+              <a:buNone/>
+            </a:pPr>
+            <a:r>
+              <a:rPr lang="en">
+                <a:solidFill>
+                  <a:srgbClr val="252525"/>
+                </a:solidFill>
+                <a:highlight>
+                  <a:srgbClr val="FFFFFF"/>
+                </a:highlight>
+              </a:rPr>
+              <a:t>Quinhentos anos se passaram sem ninguém conseguir realizar esse feito, até que em 334 a.C </a:t>
+            </a:r>
+            <a:r>
+              <a:rPr lang="en">
+                <a:solidFill>
+                  <a:srgbClr val="0B0080"/>
+                </a:solidFill>
+                <a:highlight>
+                  <a:srgbClr val="FFFFFF"/>
+                </a:highlight>
+                <a:hlinkClick r:id="rId9"/>
+              </a:rPr>
+              <a:t>Alexandre, o Grande</a:t>
+            </a:r>
+            <a:r>
+              <a:rPr lang="en">
+                <a:solidFill>
+                  <a:srgbClr val="252525"/>
+                </a:solidFill>
+                <a:highlight>
+                  <a:srgbClr val="FFFFFF"/>
+                </a:highlight>
+              </a:rPr>
+              <a:t>, ouviu essa lenda ao passar pela Frígia. Intrigado com a questão, foi até o templo de Zeus observar o feito de Górdio. Após muito analisar, desembainhou sua espada e cortou o nó. Lenda ou não o fato é que Alexandre se tornou senhor de toda a Ásia Menor poucos anos depois.</a:t>
             </a:r>
           </a:p>
         </p:txBody>
       </p:sp>
-      <p:pic>
-        <p:nvPicPr>
-          <p:cNvPr descr="database.gif" id="94" name="Shape 94"/>
-          <p:cNvPicPr preferRelativeResize="0"/>
-          <p:nvPr/>
-        </p:nvPicPr>
-        <p:blipFill>
-          <a:blip r:embed="rId3">
-            <a:alphaModFix/>
-          </a:blip>
-          <a:stretch>
-            <a:fillRect/>
-          </a:stretch>
-        </p:blipFill>
-        <p:spPr>
-          <a:xfrm>
-            <a:off x="311700" y="650274"/>
-            <a:ext cx="5064925" cy="4402849"/>
-          </a:xfrm>
-          <a:prstGeom prst="rect">
-            <a:avLst/>
-          </a:prstGeom>
-          <a:noFill/>
-          <a:ln>
-            <a:noFill/>
-          </a:ln>
-        </p:spPr>
-      </p:pic>
     </p:spTree>
   </p:cSld>
   <p:clrMapOvr>
@@ -9679,7 +9908,7 @@
   <p:cSld>
     <p:spTree>
       <p:nvGrpSpPr>
-        <p:cNvPr id="98" name="Shape 98"/>
+        <p:cNvPr id="97" name="Shape 97"/>
         <p:cNvGrpSpPr/>
         <p:nvPr/>
       </p:nvGrpSpPr>
@@ -9693,7 +9922,7 @@
       </p:grpSpPr>
       <p:sp>
         <p:nvSpPr>
-          <p:cNvPr id="99" name="Shape 99"/>
+          <p:cNvPr id="98" name="Shape 98"/>
           <p:cNvSpPr txBox="1"/>
           <p:nvPr>
             <p:ph type="ctrTitle"/>
@@ -9722,14 +9951,65 @@
             </a:pPr>
             <a:r>
               <a:rPr lang="en" sz="3000"/>
-              <a:t>Porém, como se relacionam?</a:t>
+              <a:t>Voltando ao Inicio: Bancos Relacionais</a:t>
+            </a:r>
+          </a:p>
+        </p:txBody>
+      </p:sp>
+      <p:sp>
+        <p:nvSpPr>
+          <p:cNvPr id="99" name="Shape 99"/>
+          <p:cNvSpPr txBox="1"/>
+          <p:nvPr/>
+        </p:nvSpPr>
+        <p:spPr>
+          <a:xfrm>
+            <a:off x="5565400" y="740650"/>
+            <a:ext cx="3301200" cy="3975300"/>
+          </a:xfrm>
+          <a:prstGeom prst="rect">
+            <a:avLst/>
+          </a:prstGeom>
+          <a:noFill/>
+          <a:ln>
+            <a:noFill/>
+          </a:ln>
+        </p:spPr>
+        <p:txBody>
+          <a:bodyPr anchorCtr="0" anchor="ctr" bIns="91425" lIns="91425" rIns="91425" tIns="91425">
+            <a:noAutofit/>
+          </a:bodyPr>
+          <a:lstStyle/>
+          <a:p>
+            <a:pPr lvl="0" rtl="0" algn="just">
+              <a:lnSpc>
+                <a:spcPct val="115000"/>
+              </a:lnSpc>
+              <a:spcBef>
+                <a:spcPts val="600"/>
+              </a:spcBef>
+              <a:spcAft>
+                <a:spcPts val="600"/>
+              </a:spcAft>
+              <a:buNone/>
+            </a:pPr>
+            <a:r>
+              <a:rPr lang="en" sz="2200">
+                <a:solidFill>
+                  <a:srgbClr val="252525"/>
+                </a:solidFill>
+                <a:highlight>
+                  <a:srgbClr val="FFFFFF"/>
+                </a:highlight>
+              </a:rPr>
+              <a:t>Um banco relacional é um banco em que as tabelas se relacionam entre si a fim de poderem compor dados complexos como na imagem ao lado:</a:t>
             </a:r>
           </a:p>
         </p:txBody>
       </p:sp>
       <p:pic>
         <p:nvPicPr>
-          <p:cNvPr descr="cartesian_product.png" id="100" name="Shape 100"/>
+          <p:cNvPr descr="database.gif" id="100" name="Shape 100"/>
           <p:cNvPicPr preferRelativeResize="0"/>
           <p:nvPr/>
         </p:nvPicPr>
@@ -9743,8 +10023,8 @@
         </p:blipFill>
         <p:spPr>
           <a:xfrm>
-            <a:off x="311700" y="520900"/>
-            <a:ext cx="5111874" cy="4622599"/>
+            <a:off x="311700" y="650274"/>
+            <a:ext cx="5064925" cy="4402849"/>
           </a:xfrm>
           <a:prstGeom prst="rect">
             <a:avLst/>
@@ -9755,57 +10035,6 @@
           </a:ln>
         </p:spPr>
       </p:pic>
-      <p:sp>
-        <p:nvSpPr>
-          <p:cNvPr id="101" name="Shape 101"/>
-          <p:cNvSpPr txBox="1"/>
-          <p:nvPr/>
-        </p:nvSpPr>
-        <p:spPr>
-          <a:xfrm>
-            <a:off x="5565400" y="740650"/>
-            <a:ext cx="3301200" cy="3975300"/>
-          </a:xfrm>
-          <a:prstGeom prst="rect">
-            <a:avLst/>
-          </a:prstGeom>
-          <a:noFill/>
-          <a:ln>
-            <a:noFill/>
-          </a:ln>
-        </p:spPr>
-        <p:txBody>
-          <a:bodyPr anchorCtr="0" anchor="ctr" bIns="91425" lIns="91425" rIns="91425" tIns="91425">
-            <a:noAutofit/>
-          </a:bodyPr>
-          <a:lstStyle/>
-          <a:p>
-            <a:pPr lvl="0" rtl="0" algn="just">
-              <a:lnSpc>
-                <a:spcPct val="115000"/>
-              </a:lnSpc>
-              <a:spcBef>
-                <a:spcPts val="600"/>
-              </a:spcBef>
-              <a:spcAft>
-                <a:spcPts val="600"/>
-              </a:spcAft>
-              <a:buNone/>
-            </a:pPr>
-            <a:r>
-              <a:rPr lang="en" sz="2200">
-                <a:solidFill>
-                  <a:srgbClr val="252525"/>
-                </a:solidFill>
-                <a:highlight>
-                  <a:srgbClr val="FFFFFF"/>
-                </a:highlight>
-              </a:rPr>
-              <a:t>Eles se relacionam através de produtos cartesianos que são implementados via comandos de Join, isso cria uma tabela “virtual” que contém o produto do total de linhas de todas as tabelas.</a:t>
-            </a:r>
-          </a:p>
-        </p:txBody>
-      </p:sp>
     </p:spTree>
   </p:cSld>
   <p:clrMapOvr>
@@ -9819,7 +10048,7 @@
   <p:cSld>
     <p:spTree>
       <p:nvGrpSpPr>
-        <p:cNvPr id="105" name="Shape 105"/>
+        <p:cNvPr id="104" name="Shape 104"/>
         <p:cNvGrpSpPr/>
         <p:nvPr/>
       </p:nvGrpSpPr>
@@ -9833,7 +10062,7 @@
       </p:grpSpPr>
       <p:sp>
         <p:nvSpPr>
-          <p:cNvPr id="106" name="Shape 106"/>
+          <p:cNvPr id="105" name="Shape 105"/>
           <p:cNvSpPr txBox="1"/>
           <p:nvPr>
             <p:ph type="ctrTitle"/>
@@ -9842,7 +10071,7 @@
         <p:spPr>
           <a:xfrm>
             <a:off x="311700" y="155275"/>
-            <a:ext cx="8520600" cy="718500"/>
+            <a:ext cx="8520600" cy="495000"/>
           </a:xfrm>
           <a:prstGeom prst="rect">
             <a:avLst/>
@@ -9861,12 +10090,40 @@
               <a:buNone/>
             </a:pPr>
             <a:r>
-              <a:rPr lang="en" sz="3600"/>
-              <a:t>Ou Seja,</a:t>
+              <a:rPr lang="en" sz="3000"/>
+              <a:t>Porém, como se relacionam?</a:t>
             </a:r>
           </a:p>
         </p:txBody>
       </p:sp>
+      <p:pic>
+        <p:nvPicPr>
+          <p:cNvPr descr="cartesian_product.png" id="106" name="Shape 106"/>
+          <p:cNvPicPr preferRelativeResize="0"/>
+          <p:nvPr/>
+        </p:nvPicPr>
+        <p:blipFill>
+          <a:blip r:embed="rId3">
+            <a:alphaModFix/>
+          </a:blip>
+          <a:stretch>
+            <a:fillRect/>
+          </a:stretch>
+        </p:blipFill>
+        <p:spPr>
+          <a:xfrm>
+            <a:off x="311700" y="520900"/>
+            <a:ext cx="5111874" cy="4622599"/>
+          </a:xfrm>
+          <a:prstGeom prst="rect">
+            <a:avLst/>
+          </a:prstGeom>
+          <a:noFill/>
+          <a:ln>
+            <a:noFill/>
+          </a:ln>
+        </p:spPr>
+      </p:pic>
       <p:sp>
         <p:nvSpPr>
           <p:cNvPr id="107" name="Shape 107"/>
@@ -9875,8 +10132,8 @@
         </p:nvSpPr>
         <p:spPr>
           <a:xfrm>
-            <a:off x="346000" y="740650"/>
-            <a:ext cx="8520600" cy="3975300"/>
+            <a:off x="5565400" y="740650"/>
+            <a:ext cx="3301200" cy="3975300"/>
           </a:xfrm>
           <a:prstGeom prst="rect">
             <a:avLst/>
@@ -9905,7 +10162,7 @@
               <a:buNone/>
             </a:pPr>
             <a:r>
-              <a:rPr lang="en" sz="2400">
+              <a:rPr lang="en" sz="2200">
                 <a:solidFill>
                   <a:srgbClr val="252525"/>
                 </a:solidFill>
@@ -9913,79 +10170,7 @@
                   <a:srgbClr val="FFFFFF"/>
                 </a:highlight>
               </a:rPr>
-              <a:t>Se temos 1 tabela de 10000 registros, outra com 1000000 e outra com 1000000 de registros, o servidor deve loopar no minimo: </a:t>
-            </a:r>
-            <a:r>
-              <a:rPr b="1" lang="en" sz="2400">
-                <a:solidFill>
-                  <a:srgbClr val="252525"/>
-                </a:solidFill>
-                <a:highlight>
-                  <a:srgbClr val="FFFFFF"/>
-                </a:highlight>
-              </a:rPr>
-              <a:t>10000000000000000 (10 quadrilhoes de vezes) </a:t>
-            </a:r>
-            <a:r>
-              <a:rPr lang="en" sz="2400">
-                <a:solidFill>
-                  <a:srgbClr val="252525"/>
-                </a:solidFill>
-                <a:highlight>
-                  <a:srgbClr val="FFFFFF"/>
-                </a:highlight>
-              </a:rPr>
-              <a:t>para produzir um resultado.</a:t>
-            </a:r>
-          </a:p>
-          <a:p>
-            <a:pPr lvl="0" rtl="0" algn="just">
-              <a:lnSpc>
-                <a:spcPct val="115000"/>
-              </a:lnSpc>
-              <a:spcBef>
-                <a:spcPts val="600"/>
-              </a:spcBef>
-              <a:spcAft>
-                <a:spcPts val="600"/>
-              </a:spcAft>
-              <a:buNone/>
-            </a:pPr>
-            <a:r>
-              <a:t/>
-            </a:r>
-            <a:endParaRPr sz="2400">
-              <a:solidFill>
-                <a:srgbClr val="252525"/>
-              </a:solidFill>
-              <a:highlight>
-                <a:srgbClr val="FFFFFF"/>
-              </a:highlight>
-            </a:endParaRPr>
-          </a:p>
-          <a:p>
-            <a:pPr lvl="0" rtl="0" algn="just">
-              <a:lnSpc>
-                <a:spcPct val="115000"/>
-              </a:lnSpc>
-              <a:spcBef>
-                <a:spcPts val="600"/>
-              </a:spcBef>
-              <a:spcAft>
-                <a:spcPts val="600"/>
-              </a:spcAft>
-              <a:buNone/>
-            </a:pPr>
-            <a:r>
-              <a:rPr i="1" lang="en" sz="2400">
-                <a:solidFill>
-                  <a:srgbClr val="252525"/>
-                </a:solidFill>
-                <a:highlight>
-                  <a:srgbClr val="FFFFFF"/>
-                </a:highlight>
-              </a:rPr>
-              <a:t>Apesar de utilizarmos cláusulas nos nossos joins, de qualquer forma ele tera q loopar várias vezes para produzir o resultado</a:t>
+              <a:t>Eles se relacionam através de produtos cartesianos que são implementados via comandos de Join, isso cria uma tabela “virtual” que contém o produto do total de linhas de todas as tabelas.</a:t>
             </a:r>
           </a:p>
         </p:txBody>
@@ -9999,6 +10184,285 @@
 </file>
 
 <file path=ppt/theme/theme1.xml><?xml version="1.0" encoding="utf-8"?>
+<a:theme xmlns:a="http://schemas.openxmlformats.org/drawingml/2006/main" xmlns:r="http://schemas.openxmlformats.org/officeDocument/2006/relationships" name="simple-light-2">
+  <a:themeElements>
+    <a:clrScheme name="Simple Light">
+      <a:dk1>
+        <a:srgbClr val="000000"/>
+      </a:dk1>
+      <a:lt1>
+        <a:srgbClr val="FFFFFF"/>
+      </a:lt1>
+      <a:dk2>
+        <a:srgbClr val="595959"/>
+      </a:dk2>
+      <a:lt2>
+        <a:srgbClr val="EEEEEE"/>
+      </a:lt2>
+      <a:accent1>
+        <a:srgbClr val="FFAB40"/>
+      </a:accent1>
+      <a:accent2>
+        <a:srgbClr val="212121"/>
+      </a:accent2>
+      <a:accent3>
+        <a:srgbClr val="78909C"/>
+      </a:accent3>
+      <a:accent4>
+        <a:srgbClr val="FFAB40"/>
+      </a:accent4>
+      <a:accent5>
+        <a:srgbClr val="0097A7"/>
+      </a:accent5>
+      <a:accent6>
+        <a:srgbClr val="EEFF41"/>
+      </a:accent6>
+      <a:hlink>
+        <a:srgbClr val="0097A7"/>
+      </a:hlink>
+      <a:folHlink>
+        <a:srgbClr val="0097A7"/>
+      </a:folHlink>
+    </a:clrScheme>
+    <a:fontScheme name="Office">
+      <a:majorFont>
+        <a:latin typeface="Arial"/>
+        <a:ea typeface=""/>
+        <a:cs typeface=""/>
+        <a:font script="Jpan" typeface="ＭＳ Ｐゴシック"/>
+        <a:font script="Hang" typeface="맑은 고딕"/>
+        <a:font script="Hans" typeface="宋体"/>
+        <a:font script="Hant" typeface="新細明體"/>
+        <a:font script="Arab" typeface="Times New Roman"/>
+        <a:font script="Hebr" typeface="Times New Roman"/>
+        <a:font script="Thai" typeface="Angsana New"/>
+        <a:font script="Ethi" typeface="Nyala"/>
+        <a:font script="Beng" typeface="Vrinda"/>
+        <a:font script="Gujr" typeface="Shruti"/>
+        <a:font script="Khmr" typeface="MoolBoran"/>
+        <a:font script="Knda" typeface="Tunga"/>
+        <a:font script="Guru" typeface="Raavi"/>
+        <a:font script="Cans" typeface="Euphemia"/>
+        <a:font script="Cher" typeface="Plantagenet Cherokee"/>
+        <a:font script="Yiii" typeface="Microsoft Yi Baiti"/>
+        <a:font script="Tibt" typeface="Microsoft Himalaya"/>
+        <a:font script="Thaa" typeface="MV Boli"/>
+        <a:font script="Deva" typeface="Mangal"/>
+        <a:font script="Telu" typeface="Gautami"/>
+        <a:font script="Taml" typeface="Latha"/>
+        <a:font script="Syrc" typeface="Estrangelo Edessa"/>
+        <a:font script="Orya" typeface="Kalinga"/>
+        <a:font script="Mlym" typeface="Kartika"/>
+        <a:font script="Laoo" typeface="DokChampa"/>
+        <a:font script="Sinh" typeface="Iskoola Pota"/>
+        <a:font script="Mong" typeface="Mongolian Baiti"/>
+        <a:font script="Viet" typeface="Times New Roman"/>
+        <a:font script="Uigh" typeface="Microsoft Uighur"/>
+        <a:font script="Geor" typeface="Sylfaen"/>
+      </a:majorFont>
+      <a:minorFont>
+        <a:latin typeface="Arial"/>
+        <a:ea typeface=""/>
+        <a:cs typeface=""/>
+        <a:font script="Jpan" typeface="ＭＳ Ｐゴシック"/>
+        <a:font script="Hang" typeface="맑은 고딕"/>
+        <a:font script="Hans" typeface="宋体"/>
+        <a:font script="Hant" typeface="新細明體"/>
+        <a:font script="Arab" typeface="Arial"/>
+        <a:font script="Hebr" typeface="Arial"/>
+        <a:font script="Thai" typeface="Cordia New"/>
+        <a:font script="Ethi" typeface="Nyala"/>
+        <a:font script="Beng" typeface="Vrinda"/>
+        <a:font script="Gujr" typeface="Shruti"/>
+        <a:font script="Khmr" typeface="DaunPenh"/>
+        <a:font script="Knda" typeface="Tunga"/>
+        <a:font script="Guru" typeface="Raavi"/>
+        <a:font script="Cans" typeface="Euphemia"/>
+        <a:font script="Cher" typeface="Plantagenet Cherokee"/>
+        <a:font script="Yiii" typeface="Microsoft Yi Baiti"/>
+        <a:font script="Tibt" typeface="Microsoft Himalaya"/>
+        <a:font script="Thaa" typeface="MV Boli"/>
+        <a:font script="Deva" typeface="Mangal"/>
+        <a:font script="Telu" typeface="Gautami"/>
+        <a:font script="Taml" typeface="Latha"/>
+        <a:font script="Syrc" typeface="Estrangelo Edessa"/>
+        <a:font script="Orya" typeface="Kalinga"/>
+        <a:font script="Mlym" typeface="Kartika"/>
+        <a:font script="Laoo" typeface="DokChampa"/>
+        <a:font script="Sinh" typeface="Iskoola Pota"/>
+        <a:font script="Mong" typeface="Mongolian Baiti"/>
+        <a:font script="Viet" typeface="Arial"/>
+        <a:font script="Uigh" typeface="Microsoft Uighur"/>
+        <a:font script="Geor" typeface="Sylfaen"/>
+      </a:minorFont>
+    </a:fontScheme>
+    <a:fmtScheme name="Office">
+      <a:fillStyleLst>
+        <a:solidFill>
+          <a:schemeClr val="phClr"/>
+        </a:solidFill>
+        <a:gradFill rotWithShape="1">
+          <a:gsLst>
+            <a:gs pos="0">
+              <a:schemeClr val="phClr">
+                <a:tint val="50000"/>
+                <a:satMod val="300000"/>
+              </a:schemeClr>
+            </a:gs>
+            <a:gs pos="35000">
+              <a:schemeClr val="phClr">
+                <a:tint val="37000"/>
+                <a:satMod val="300000"/>
+              </a:schemeClr>
+            </a:gs>
+            <a:gs pos="100000">
+              <a:schemeClr val="phClr">
+                <a:tint val="15000"/>
+                <a:satMod val="350000"/>
+              </a:schemeClr>
+            </a:gs>
+          </a:gsLst>
+          <a:lin ang="16200000" scaled="1"/>
+        </a:gradFill>
+        <a:gradFill rotWithShape="1">
+          <a:gsLst>
+            <a:gs pos="0">
+              <a:schemeClr val="phClr">
+                <a:tint val="100000"/>
+                <a:shade val="100000"/>
+                <a:satMod val="130000"/>
+              </a:schemeClr>
+            </a:gs>
+            <a:gs pos="100000">
+              <a:schemeClr val="phClr">
+                <a:tint val="50000"/>
+                <a:shade val="100000"/>
+                <a:satMod val="350000"/>
+              </a:schemeClr>
+            </a:gs>
+          </a:gsLst>
+          <a:lin ang="16200000" scaled="0"/>
+        </a:gradFill>
+      </a:fillStyleLst>
+      <a:lnStyleLst>
+        <a:ln w="9525" cap="flat" cmpd="sng" algn="ctr">
+          <a:solidFill>
+            <a:schemeClr val="phClr">
+              <a:shade val="95000"/>
+              <a:satMod val="105000"/>
+            </a:schemeClr>
+          </a:solidFill>
+          <a:prstDash val="solid"/>
+        </a:ln>
+        <a:ln w="25400" cap="flat" cmpd="sng" algn="ctr">
+          <a:solidFill>
+            <a:schemeClr val="phClr"/>
+          </a:solidFill>
+          <a:prstDash val="solid"/>
+        </a:ln>
+        <a:ln w="38100" cap="flat" cmpd="sng" algn="ctr">
+          <a:solidFill>
+            <a:schemeClr val="phClr"/>
+          </a:solidFill>
+          <a:prstDash val="solid"/>
+        </a:ln>
+      </a:lnStyleLst>
+      <a:effectStyleLst>
+        <a:effectStyle>
+          <a:effectLst>
+            <a:outerShdw blurRad="40000" dist="20000" dir="5400000" rotWithShape="0">
+              <a:srgbClr val="000000">
+                <a:alpha val="38000"/>
+              </a:srgbClr>
+            </a:outerShdw>
+          </a:effectLst>
+        </a:effectStyle>
+        <a:effectStyle>
+          <a:effectLst>
+            <a:outerShdw blurRad="40000" dist="23000" dir="5400000" rotWithShape="0">
+              <a:srgbClr val="000000">
+                <a:alpha val="35000"/>
+              </a:srgbClr>
+            </a:outerShdw>
+          </a:effectLst>
+        </a:effectStyle>
+        <a:effectStyle>
+          <a:effectLst>
+            <a:outerShdw blurRad="40000" dist="23000" dir="5400000" rotWithShape="0">
+              <a:srgbClr val="000000">
+                <a:alpha val="35000"/>
+              </a:srgbClr>
+            </a:outerShdw>
+          </a:effectLst>
+          <a:scene3d>
+            <a:camera prst="orthographicFront">
+              <a:rot lat="0" lon="0" rev="0"/>
+            </a:camera>
+            <a:lightRig rig="threePt" dir="t">
+              <a:rot lat="0" lon="0" rev="1200000"/>
+            </a:lightRig>
+          </a:scene3d>
+          <a:sp3d>
+            <a:bevelT w="63500" h="25400"/>
+          </a:sp3d>
+        </a:effectStyle>
+      </a:effectStyleLst>
+      <a:bgFillStyleLst>
+        <a:solidFill>
+          <a:schemeClr val="phClr"/>
+        </a:solidFill>
+        <a:gradFill rotWithShape="1">
+          <a:gsLst>
+            <a:gs pos="0">
+              <a:schemeClr val="phClr">
+                <a:tint val="40000"/>
+                <a:satMod val="350000"/>
+              </a:schemeClr>
+            </a:gs>
+            <a:gs pos="40000">
+              <a:schemeClr val="phClr">
+                <a:tint val="45000"/>
+                <a:shade val="99000"/>
+                <a:satMod val="350000"/>
+              </a:schemeClr>
+            </a:gs>
+            <a:gs pos="100000">
+              <a:schemeClr val="phClr">
+                <a:shade val="20000"/>
+                <a:satMod val="255000"/>
+              </a:schemeClr>
+            </a:gs>
+          </a:gsLst>
+          <a:path path="circle">
+            <a:fillToRect l="50000" t="-80000" r="50000" b="180000"/>
+          </a:path>
+        </a:gradFill>
+        <a:gradFill rotWithShape="1">
+          <a:gsLst>
+            <a:gs pos="0">
+              <a:schemeClr val="phClr">
+                <a:tint val="80000"/>
+                <a:satMod val="300000"/>
+              </a:schemeClr>
+            </a:gs>
+            <a:gs pos="100000">
+              <a:schemeClr val="phClr">
+                <a:shade val="30000"/>
+                <a:satMod val="200000"/>
+              </a:schemeClr>
+            </a:gs>
+          </a:gsLst>
+          <a:path path="circle">
+            <a:fillToRect l="50000" t="50000" r="50000" b="50000"/>
+          </a:path>
+        </a:gradFill>
+      </a:bgFillStyleLst>
+    </a:fmtScheme>
+  </a:themeElements>
+</a:theme>
+</file>
+
+<file path=ppt/theme/theme2.xml><?xml version="1.0" encoding="utf-8"?>
 <a:theme xmlns:a="http://schemas.openxmlformats.org/drawingml/2006/main" xmlns:r="http://schemas.openxmlformats.org/officeDocument/2006/relationships" name="Custom Theme">
   <a:themeElements>
     <a:clrScheme name="Default">
@@ -10275,283 +10739,4 @@
     </a:fmtScheme>
   </a:themeElements>
 </a:theme>
-</file>
-
-<file path=ppt/theme/theme2.xml><?xml version="1.0" encoding="utf-8"?>
-<a:theme xmlns:a="http://schemas.openxmlformats.org/drawingml/2006/main" xmlns:r="http://schemas.openxmlformats.org/officeDocument/2006/relationships" name="simple-light-2">
-  <a:themeElements>
-    <a:clrScheme name="Simple Light">
-      <a:dk1>
-        <a:srgbClr val="000000"/>
-      </a:dk1>
-      <a:lt1>
-        <a:srgbClr val="FFFFFF"/>
-      </a:lt1>
-      <a:dk2>
-        <a:srgbClr val="595959"/>
-      </a:dk2>
-      <a:lt2>
-        <a:srgbClr val="EEEEEE"/>
-      </a:lt2>
-      <a:accent1>
-        <a:srgbClr val="FFAB40"/>
-      </a:accent1>
-      <a:accent2>
-        <a:srgbClr val="212121"/>
-      </a:accent2>
-      <a:accent3>
-        <a:srgbClr val="78909C"/>
-      </a:accent3>
-      <a:accent4>
-        <a:srgbClr val="FFAB40"/>
-      </a:accent4>
-      <a:accent5>
-        <a:srgbClr val="0097A7"/>
-      </a:accent5>
-      <a:accent6>
-        <a:srgbClr val="EEFF41"/>
-      </a:accent6>
-      <a:hlink>
-        <a:srgbClr val="0097A7"/>
-      </a:hlink>
-      <a:folHlink>
-        <a:srgbClr val="0097A7"/>
-      </a:folHlink>
-    </a:clrScheme>
-    <a:fontScheme name="Office">
-      <a:majorFont>
-        <a:latin typeface="Arial"/>
-        <a:ea typeface=""/>
-        <a:cs typeface=""/>
-        <a:font script="Jpan" typeface="ＭＳ Ｐゴシック"/>
-        <a:font script="Hang" typeface="맑은 고딕"/>
-        <a:font script="Hans" typeface="宋体"/>
-        <a:font script="Hant" typeface="新細明體"/>
-        <a:font script="Arab" typeface="Times New Roman"/>
-        <a:font script="Hebr" typeface="Times New Roman"/>
-        <a:font script="Thai" typeface="Angsana New"/>
-        <a:font script="Ethi" typeface="Nyala"/>
-        <a:font script="Beng" typeface="Vrinda"/>
-        <a:font script="Gujr" typeface="Shruti"/>
-        <a:font script="Khmr" typeface="MoolBoran"/>
-        <a:font script="Knda" typeface="Tunga"/>
-        <a:font script="Guru" typeface="Raavi"/>
-        <a:font script="Cans" typeface="Euphemia"/>
-        <a:font script="Cher" typeface="Plantagenet Cherokee"/>
-        <a:font script="Yiii" typeface="Microsoft Yi Baiti"/>
-        <a:font script="Tibt" typeface="Microsoft Himalaya"/>
-        <a:font script="Thaa" typeface="MV Boli"/>
-        <a:font script="Deva" typeface="Mangal"/>
-        <a:font script="Telu" typeface="Gautami"/>
-        <a:font script="Taml" typeface="Latha"/>
-        <a:font script="Syrc" typeface="Estrangelo Edessa"/>
-        <a:font script="Orya" typeface="Kalinga"/>
-        <a:font script="Mlym" typeface="Kartika"/>
-        <a:font script="Laoo" typeface="DokChampa"/>
-        <a:font script="Sinh" typeface="Iskoola Pota"/>
-        <a:font script="Mong" typeface="Mongolian Baiti"/>
-        <a:font script="Viet" typeface="Times New Roman"/>
-        <a:font script="Uigh" typeface="Microsoft Uighur"/>
-        <a:font script="Geor" typeface="Sylfaen"/>
-      </a:majorFont>
-      <a:minorFont>
-        <a:latin typeface="Arial"/>
-        <a:ea typeface=""/>
-        <a:cs typeface=""/>
-        <a:font script="Jpan" typeface="ＭＳ Ｐゴシック"/>
-        <a:font script="Hang" typeface="맑은 고딕"/>
-        <a:font script="Hans" typeface="宋体"/>
-        <a:font script="Hant" typeface="新細明體"/>
-        <a:font script="Arab" typeface="Arial"/>
-        <a:font script="Hebr" typeface="Arial"/>
-        <a:font script="Thai" typeface="Cordia New"/>
-        <a:font script="Ethi" typeface="Nyala"/>
-        <a:font script="Beng" typeface="Vrinda"/>
-        <a:font script="Gujr" typeface="Shruti"/>
-        <a:font script="Khmr" typeface="DaunPenh"/>
-        <a:font script="Knda" typeface="Tunga"/>
-        <a:font script="Guru" typeface="Raavi"/>
-        <a:font script="Cans" typeface="Euphemia"/>
-        <a:font script="Cher" typeface="Plantagenet Cherokee"/>
-        <a:font script="Yiii" typeface="Microsoft Yi Baiti"/>
-        <a:font script="Tibt" typeface="Microsoft Himalaya"/>
-        <a:font script="Thaa" typeface="MV Boli"/>
-        <a:font script="Deva" typeface="Mangal"/>
-        <a:font script="Telu" typeface="Gautami"/>
-        <a:font script="Taml" typeface="Latha"/>
-        <a:font script="Syrc" typeface="Estrangelo Edessa"/>
-        <a:font script="Orya" typeface="Kalinga"/>
-        <a:font script="Mlym" typeface="Kartika"/>
-        <a:font script="Laoo" typeface="DokChampa"/>
-        <a:font script="Sinh" typeface="Iskoola Pota"/>
-        <a:font script="Mong" typeface="Mongolian Baiti"/>
-        <a:font script="Viet" typeface="Arial"/>
-        <a:font script="Uigh" typeface="Microsoft Uighur"/>
-        <a:font script="Geor" typeface="Sylfaen"/>
-      </a:minorFont>
-    </a:fontScheme>
-    <a:fmtScheme name="Office">
-      <a:fillStyleLst>
-        <a:solidFill>
-          <a:schemeClr val="phClr"/>
-        </a:solidFill>
-        <a:gradFill rotWithShape="1">
-          <a:gsLst>
-            <a:gs pos="0">
-              <a:schemeClr val="phClr">
-                <a:tint val="50000"/>
-                <a:satMod val="300000"/>
-              </a:schemeClr>
-            </a:gs>
-            <a:gs pos="35000">
-              <a:schemeClr val="phClr">
-                <a:tint val="37000"/>
-                <a:satMod val="300000"/>
-              </a:schemeClr>
-            </a:gs>
-            <a:gs pos="100000">
-              <a:schemeClr val="phClr">
-                <a:tint val="15000"/>
-                <a:satMod val="350000"/>
-              </a:schemeClr>
-            </a:gs>
-          </a:gsLst>
-          <a:lin ang="16200000" scaled="1"/>
-        </a:gradFill>
-        <a:gradFill rotWithShape="1">
-          <a:gsLst>
-            <a:gs pos="0">
-              <a:schemeClr val="phClr">
-                <a:tint val="100000"/>
-                <a:shade val="100000"/>
-                <a:satMod val="130000"/>
-              </a:schemeClr>
-            </a:gs>
-            <a:gs pos="100000">
-              <a:schemeClr val="phClr">
-                <a:tint val="50000"/>
-                <a:shade val="100000"/>
-                <a:satMod val="350000"/>
-              </a:schemeClr>
-            </a:gs>
-          </a:gsLst>
-          <a:lin ang="16200000" scaled="0"/>
-        </a:gradFill>
-      </a:fillStyleLst>
-      <a:lnStyleLst>
-        <a:ln w="9525" cap="flat" cmpd="sng" algn="ctr">
-          <a:solidFill>
-            <a:schemeClr val="phClr">
-              <a:shade val="95000"/>
-              <a:satMod val="105000"/>
-            </a:schemeClr>
-          </a:solidFill>
-          <a:prstDash val="solid"/>
-        </a:ln>
-        <a:ln w="25400" cap="flat" cmpd="sng" algn="ctr">
-          <a:solidFill>
-            <a:schemeClr val="phClr"/>
-          </a:solidFill>
-          <a:prstDash val="solid"/>
-        </a:ln>
-        <a:ln w="38100" cap="flat" cmpd="sng" algn="ctr">
-          <a:solidFill>
-            <a:schemeClr val="phClr"/>
-          </a:solidFill>
-          <a:prstDash val="solid"/>
-        </a:ln>
-      </a:lnStyleLst>
-      <a:effectStyleLst>
-        <a:effectStyle>
-          <a:effectLst>
-            <a:outerShdw blurRad="40000" dist="20000" dir="5400000" rotWithShape="0">
-              <a:srgbClr val="000000">
-                <a:alpha val="38000"/>
-              </a:srgbClr>
-            </a:outerShdw>
-          </a:effectLst>
-        </a:effectStyle>
-        <a:effectStyle>
-          <a:effectLst>
-            <a:outerShdw blurRad="40000" dist="23000" dir="5400000" rotWithShape="0">
-              <a:srgbClr val="000000">
-                <a:alpha val="35000"/>
-              </a:srgbClr>
-            </a:outerShdw>
-          </a:effectLst>
-        </a:effectStyle>
-        <a:effectStyle>
-          <a:effectLst>
-            <a:outerShdw blurRad="40000" dist="23000" dir="5400000" rotWithShape="0">
-              <a:srgbClr val="000000">
-                <a:alpha val="35000"/>
-              </a:srgbClr>
-            </a:outerShdw>
-          </a:effectLst>
-          <a:scene3d>
-            <a:camera prst="orthographicFront">
-              <a:rot lat="0" lon="0" rev="0"/>
-            </a:camera>
-            <a:lightRig rig="threePt" dir="t">
-              <a:rot lat="0" lon="0" rev="1200000"/>
-            </a:lightRig>
-          </a:scene3d>
-          <a:sp3d>
-            <a:bevelT w="63500" h="25400"/>
-          </a:sp3d>
-        </a:effectStyle>
-      </a:effectStyleLst>
-      <a:bgFillStyleLst>
-        <a:solidFill>
-          <a:schemeClr val="phClr"/>
-        </a:solidFill>
-        <a:gradFill rotWithShape="1">
-          <a:gsLst>
-            <a:gs pos="0">
-              <a:schemeClr val="phClr">
-                <a:tint val="40000"/>
-                <a:satMod val="350000"/>
-              </a:schemeClr>
-            </a:gs>
-            <a:gs pos="40000">
-              <a:schemeClr val="phClr">
-                <a:tint val="45000"/>
-                <a:shade val="99000"/>
-                <a:satMod val="350000"/>
-              </a:schemeClr>
-            </a:gs>
-            <a:gs pos="100000">
-              <a:schemeClr val="phClr">
-                <a:shade val="20000"/>
-                <a:satMod val="255000"/>
-              </a:schemeClr>
-            </a:gs>
-          </a:gsLst>
-          <a:path path="circle">
-            <a:fillToRect l="50000" t="-80000" r="50000" b="180000"/>
-          </a:path>
-        </a:gradFill>
-        <a:gradFill rotWithShape="1">
-          <a:gsLst>
-            <a:gs pos="0">
-              <a:schemeClr val="phClr">
-                <a:tint val="80000"/>
-                <a:satMod val="300000"/>
-              </a:schemeClr>
-            </a:gs>
-            <a:gs pos="100000">
-              <a:schemeClr val="phClr">
-                <a:shade val="30000"/>
-                <a:satMod val="200000"/>
-              </a:schemeClr>
-            </a:gs>
-          </a:gsLst>
-          <a:path path="circle">
-            <a:fillToRect l="50000" t="50000" r="50000" b="50000"/>
-          </a:path>
-        </a:gradFill>
-      </a:bgFillStyleLst>
-    </a:fmtScheme>
-  </a:themeElements>
-</a:theme>
 </file>